--- a/w4/w4-1-ols.pptx
+++ b/w4/w4-1-ols.pptx
@@ -5,7 +5,7 @@
     <p:sldMasterId id="2147483648" r:id="rId1"/>
   </p:sldMasterIdLst>
   <p:notesMasterIdLst>
-    <p:notesMasterId r:id="rId33"/>
+    <p:notesMasterId r:id="rId35"/>
   </p:notesMasterIdLst>
   <p:sldIdLst>
     <p:sldId id="256" r:id="rId2"/>
@@ -33,12 +33,14 @@
     <p:sldId id="274" r:id="rId24"/>
     <p:sldId id="275" r:id="rId25"/>
     <p:sldId id="276" r:id="rId26"/>
-    <p:sldId id="277" r:id="rId27"/>
-    <p:sldId id="280" r:id="rId28"/>
-    <p:sldId id="281" r:id="rId29"/>
-    <p:sldId id="282" r:id="rId30"/>
-    <p:sldId id="283" r:id="rId31"/>
-    <p:sldId id="284" r:id="rId32"/>
+    <p:sldId id="288" r:id="rId27"/>
+    <p:sldId id="289" r:id="rId28"/>
+    <p:sldId id="277" r:id="rId29"/>
+    <p:sldId id="280" r:id="rId30"/>
+    <p:sldId id="281" r:id="rId31"/>
+    <p:sldId id="282" r:id="rId32"/>
+    <p:sldId id="283" r:id="rId33"/>
+    <p:sldId id="284" r:id="rId34"/>
   </p:sldIdLst>
   <p:sldSz cx="12192000" cy="6858000"/>
   <p:notesSz cx="6858000" cy="9144000"/>
@@ -597,6 +599,125 @@
         <p:cNvPr id="1" name="">
           <a:extLst>
             <a:ext uri="{FF2B5EF4-FFF2-40B4-BE49-F238E27FC236}">
+              <a16:creationId xmlns:a16="http://schemas.microsoft.com/office/drawing/2014/main" id="{CDCCF70D-1CAD-EB4A-7413-31EE2EE6E625}"/>
+            </a:ext>
+          </a:extLst>
+        </p:cNvPr>
+        <p:cNvGrpSpPr/>
+        <p:nvPr/>
+      </p:nvGrpSpPr>
+      <p:grpSpPr>
+        <a:xfrm>
+          <a:off x="0" y="0"/>
+          <a:ext cx="0" cy="0"/>
+          <a:chOff x="0" y="0"/>
+          <a:chExt cx="0" cy="0"/>
+        </a:xfrm>
+      </p:grpSpPr>
+      <p:sp>
+        <p:nvSpPr>
+          <p:cNvPr id="2" name="Slide Image Placeholder 1">
+            <a:extLst>
+              <a:ext uri="{FF2B5EF4-FFF2-40B4-BE49-F238E27FC236}">
+                <a16:creationId xmlns:a16="http://schemas.microsoft.com/office/drawing/2014/main" id="{A17BDE5B-83C6-0965-F5E7-ED3B6AD1324E}"/>
+              </a:ext>
+            </a:extLst>
+          </p:cNvPr>
+          <p:cNvSpPr>
+            <a:spLocks noGrp="1" noRot="1" noChangeAspect="1"/>
+          </p:cNvSpPr>
+          <p:nvPr>
+            <p:ph type="sldImg"/>
+          </p:nvPr>
+        </p:nvSpPr>
+        <p:spPr/>
+      </p:sp>
+      <p:sp>
+        <p:nvSpPr>
+          <p:cNvPr id="3" name="Notes Placeholder 2">
+            <a:extLst>
+              <a:ext uri="{FF2B5EF4-FFF2-40B4-BE49-F238E27FC236}">
+                <a16:creationId xmlns:a16="http://schemas.microsoft.com/office/drawing/2014/main" id="{938CEEF4-D7A6-3FBB-EC12-78BBD487A9D7}"/>
+              </a:ext>
+            </a:extLst>
+          </p:cNvPr>
+          <p:cNvSpPr>
+            <a:spLocks noGrp="1"/>
+          </p:cNvSpPr>
+          <p:nvPr>
+            <p:ph type="body" idx="1"/>
+          </p:nvPr>
+        </p:nvSpPr>
+        <p:spPr/>
+        <p:txBody>
+          <a:bodyPr/>
+          <a:lstStyle/>
+          <a:p>
+            <a:r>
+              <a:rPr lang="en-US" dirty="0"/>
+              <a:t>Residual se = </a:t>
+            </a:r>
+            <a:r>
+              <a:rPr lang="en-US" b="1" dirty="0"/>
+              <a:t>how far, on average</a:t>
+            </a:r>
+            <a:r>
+              <a:rPr lang="en-US" dirty="0"/>
+              <a:t>, your predictions are from the actual values</a:t>
+            </a:r>
+          </a:p>
+        </p:txBody>
+      </p:sp>
+      <p:sp>
+        <p:nvSpPr>
+          <p:cNvPr id="4" name="Slide Number Placeholder 3">
+            <a:extLst>
+              <a:ext uri="{FF2B5EF4-FFF2-40B4-BE49-F238E27FC236}">
+                <a16:creationId xmlns:a16="http://schemas.microsoft.com/office/drawing/2014/main" id="{981BB5CE-EE33-5B3C-6F83-D8578CFDA181}"/>
+              </a:ext>
+            </a:extLst>
+          </p:cNvPr>
+          <p:cNvSpPr>
+            <a:spLocks noGrp="1"/>
+          </p:cNvSpPr>
+          <p:nvPr>
+            <p:ph type="sldNum" sz="quarter" idx="5"/>
+          </p:nvPr>
+        </p:nvSpPr>
+        <p:spPr/>
+        <p:txBody>
+          <a:bodyPr/>
+          <a:lstStyle/>
+          <a:p>
+            <a:fld id="{0D805CC6-2368-E948-9486-DD06D34B20CD}" type="slidenum">
+              <a:rPr lang="en-US" smtClean="0"/>
+              <a:t>26</a:t>
+            </a:fld>
+            <a:endParaRPr lang="en-US"/>
+          </a:p>
+        </p:txBody>
+      </p:sp>
+    </p:spTree>
+    <p:extLst>
+      <p:ext uri="{BB962C8B-B14F-4D97-AF65-F5344CB8AC3E}">
+        <p14:creationId xmlns:p14="http://schemas.microsoft.com/office/powerpoint/2010/main" val="1870762597"/>
+      </p:ext>
+    </p:extLst>
+  </p:cSld>
+  <p:clrMapOvr>
+    <a:masterClrMapping/>
+  </p:clrMapOvr>
+</p:notes>
+</file>
+
+<file path=ppt/notesSlides/notesSlide3.xml><?xml version="1.0" encoding="utf-8"?>
+<p:notes xmlns:a="http://schemas.openxmlformats.org/drawingml/2006/main" xmlns:r="http://schemas.openxmlformats.org/officeDocument/2006/relationships" xmlns:p="http://schemas.openxmlformats.org/presentationml/2006/main">
+  <p:cSld>
+    <p:spTree>
+      <p:nvGrpSpPr>
+        <p:cNvPr id="1" name="">
+          <a:extLst>
+            <a:ext uri="{FF2B5EF4-FFF2-40B4-BE49-F238E27FC236}">
               <a16:creationId xmlns:a16="http://schemas.microsoft.com/office/drawing/2014/main" id="{A960C51F-5769-610F-D9A7-4980C11D0B37}"/>
             </a:ext>
           </a:extLst>
@@ -689,7 +810,7 @@
           <a:p>
             <a:fld id="{0D805CC6-2368-E948-9486-DD06D34B20CD}" type="slidenum">
               <a:rPr lang="en-US" smtClean="0"/>
-              <a:t>26</a:t>
+              <a:t>28</a:t>
             </a:fld>
             <a:endParaRPr lang="en-US"/>
           </a:p>
@@ -7847,6 +7968,420 @@
         <p:cNvPr id="1" name="">
           <a:extLst>
             <a:ext uri="{FF2B5EF4-FFF2-40B4-BE49-F238E27FC236}">
+              <a16:creationId xmlns:a16="http://schemas.microsoft.com/office/drawing/2014/main" id="{AFFA3DA2-C2C6-4A70-2963-0CB31C154B84}"/>
+            </a:ext>
+          </a:extLst>
+        </p:cNvPr>
+        <p:cNvGrpSpPr/>
+        <p:nvPr/>
+      </p:nvGrpSpPr>
+      <p:grpSpPr>
+        <a:xfrm>
+          <a:off x="0" y="0"/>
+          <a:ext cx="0" cy="0"/>
+          <a:chOff x="0" y="0"/>
+          <a:chExt cx="0" cy="0"/>
+        </a:xfrm>
+      </p:grpSpPr>
+      <p:pic>
+        <p:nvPicPr>
+          <p:cNvPr id="5" name="Picture 4" descr="A computer screen shot of a number&#10;&#10;AI-generated content may be incorrect.">
+            <a:extLst>
+              <a:ext uri="{FF2B5EF4-FFF2-40B4-BE49-F238E27FC236}">
+                <a16:creationId xmlns:a16="http://schemas.microsoft.com/office/drawing/2014/main" id="{2FADD066-3DAE-E866-90C0-F8CA34239170}"/>
+              </a:ext>
+            </a:extLst>
+          </p:cNvPr>
+          <p:cNvPicPr>
+            <a:picLocks noChangeAspect="1"/>
+          </p:cNvPicPr>
+          <p:nvPr/>
+        </p:nvPicPr>
+        <p:blipFill>
+          <a:blip r:embed="rId3"/>
+          <a:stretch>
+            <a:fillRect/>
+          </a:stretch>
+        </p:blipFill>
+        <p:spPr>
+          <a:xfrm>
+            <a:off x="2994294" y="2565400"/>
+            <a:ext cx="7226300" cy="4292600"/>
+          </a:xfrm>
+          <a:prstGeom prst="rect">
+            <a:avLst/>
+          </a:prstGeom>
+        </p:spPr>
+      </p:pic>
+      <p:sp>
+        <p:nvSpPr>
+          <p:cNvPr id="2" name="Title 1">
+            <a:extLst>
+              <a:ext uri="{FF2B5EF4-FFF2-40B4-BE49-F238E27FC236}">
+                <a16:creationId xmlns:a16="http://schemas.microsoft.com/office/drawing/2014/main" id="{BAFE82FE-422D-CACB-9DDB-49B05F757772}"/>
+              </a:ext>
+            </a:extLst>
+          </p:cNvPr>
+          <p:cNvSpPr>
+            <a:spLocks noGrp="1"/>
+          </p:cNvSpPr>
+          <p:nvPr>
+            <p:ph type="title"/>
+          </p:nvPr>
+        </p:nvSpPr>
+        <p:spPr/>
+        <p:txBody>
+          <a:bodyPr/>
+          <a:lstStyle/>
+          <a:p>
+            <a:r>
+              <a:rPr lang="en-US" dirty="0"/>
+              <a:t>Example: Airbnb dataset</a:t>
+            </a:r>
+          </a:p>
+        </p:txBody>
+      </p:sp>
+      <p:sp>
+        <p:nvSpPr>
+          <p:cNvPr id="3" name="Content Placeholder 2">
+            <a:extLst>
+              <a:ext uri="{FF2B5EF4-FFF2-40B4-BE49-F238E27FC236}">
+                <a16:creationId xmlns:a16="http://schemas.microsoft.com/office/drawing/2014/main" id="{8C563B8C-C510-3DE2-BBB1-63DB6CA88C33}"/>
+              </a:ext>
+            </a:extLst>
+          </p:cNvPr>
+          <p:cNvSpPr>
+            <a:spLocks noGrp="1"/>
+          </p:cNvSpPr>
+          <p:nvPr>
+            <p:ph idx="1"/>
+          </p:nvPr>
+        </p:nvSpPr>
+        <p:spPr>
+          <a:xfrm>
+            <a:off x="2527515" y="1551204"/>
+            <a:ext cx="6647481" cy="874712"/>
+          </a:xfrm>
+        </p:spPr>
+        <p:txBody>
+          <a:bodyPr>
+            <a:normAutofit/>
+          </a:bodyPr>
+          <a:lstStyle/>
+          <a:p>
+            <a:pPr marL="0" indent="0">
+              <a:buNone/>
+            </a:pPr>
+            <a:r>
+              <a:rPr lang="en-US" sz="2000" dirty="0">
+                <a:latin typeface="Consolas" panose="020B0609020204030204" pitchFamily="49" charset="0"/>
+                <a:cs typeface="Consolas" panose="020B0609020204030204" pitchFamily="49" charset="0"/>
+              </a:rPr>
+              <a:t>m1 = </a:t>
+            </a:r>
+            <a:r>
+              <a:rPr lang="en-US" sz="2000" dirty="0" err="1">
+                <a:latin typeface="Consolas" panose="020B0609020204030204" pitchFamily="49" charset="0"/>
+                <a:cs typeface="Consolas" panose="020B0609020204030204" pitchFamily="49" charset="0"/>
+              </a:rPr>
+              <a:t>lm</a:t>
+            </a:r>
+            <a:r>
+              <a:rPr lang="en-US" sz="2000" dirty="0">
+                <a:latin typeface="Consolas" panose="020B0609020204030204" pitchFamily="49" charset="0"/>
+                <a:cs typeface="Consolas" panose="020B0609020204030204" pitchFamily="49" charset="0"/>
+              </a:rPr>
+              <a:t>(price ~ </a:t>
+            </a:r>
+            <a:r>
+              <a:rPr lang="en-US" sz="2000" dirty="0" err="1">
+                <a:latin typeface="Consolas" panose="020B0609020204030204" pitchFamily="49" charset="0"/>
+                <a:cs typeface="Consolas" panose="020B0609020204030204" pitchFamily="49" charset="0"/>
+              </a:rPr>
+              <a:t>reviews_count</a:t>
+            </a:r>
+            <a:r>
+              <a:rPr lang="en-US" sz="2000" dirty="0">
+                <a:latin typeface="Consolas" panose="020B0609020204030204" pitchFamily="49" charset="0"/>
+                <a:cs typeface="Consolas" panose="020B0609020204030204" pitchFamily="49" charset="0"/>
+              </a:rPr>
+              <a:t>, data = </a:t>
+            </a:r>
+            <a:r>
+              <a:rPr lang="en-US" sz="2000" dirty="0" err="1">
+                <a:latin typeface="Consolas" panose="020B0609020204030204" pitchFamily="49" charset="0"/>
+                <a:cs typeface="Consolas" panose="020B0609020204030204" pitchFamily="49" charset="0"/>
+              </a:rPr>
+              <a:t>airbnb</a:t>
+            </a:r>
+            <a:r>
+              <a:rPr lang="en-US" sz="2000" dirty="0">
+                <a:latin typeface="Consolas" panose="020B0609020204030204" pitchFamily="49" charset="0"/>
+                <a:cs typeface="Consolas" panose="020B0609020204030204" pitchFamily="49" charset="0"/>
+              </a:rPr>
+              <a:t>)</a:t>
+            </a:r>
+          </a:p>
+          <a:p>
+            <a:pPr marL="0" indent="0">
+              <a:buNone/>
+            </a:pPr>
+            <a:r>
+              <a:rPr lang="en-US" sz="2000" dirty="0">
+                <a:latin typeface="Consolas" panose="020B0609020204030204" pitchFamily="49" charset="0"/>
+                <a:cs typeface="Consolas" panose="020B0609020204030204" pitchFamily="49" charset="0"/>
+              </a:rPr>
+              <a:t>summary(m1)</a:t>
+            </a:r>
+          </a:p>
+        </p:txBody>
+      </p:sp>
+      <p:sp>
+        <p:nvSpPr>
+          <p:cNvPr id="6" name="Rectangle 5">
+            <a:extLst>
+              <a:ext uri="{FF2B5EF4-FFF2-40B4-BE49-F238E27FC236}">
+                <a16:creationId xmlns:a16="http://schemas.microsoft.com/office/drawing/2014/main" id="{EBAB6767-F95F-FD70-C0D5-D4B790BF3584}"/>
+              </a:ext>
+            </a:extLst>
+          </p:cNvPr>
+          <p:cNvSpPr/>
+          <p:nvPr/>
+        </p:nvSpPr>
+        <p:spPr>
+          <a:xfrm>
+            <a:off x="2906020" y="5773119"/>
+            <a:ext cx="7226300" cy="1084881"/>
+          </a:xfrm>
+          <a:prstGeom prst="rect">
+            <a:avLst/>
+          </a:prstGeom>
+          <a:noFill/>
+          <a:ln w="31750">
+            <a:solidFill>
+              <a:srgbClr val="C00000"/>
+            </a:solidFill>
+          </a:ln>
+        </p:spPr>
+        <p:style>
+          <a:lnRef idx="2">
+            <a:schemeClr val="accent1">
+              <a:shade val="15000"/>
+            </a:schemeClr>
+          </a:lnRef>
+          <a:fillRef idx="1">
+            <a:schemeClr val="accent1"/>
+          </a:fillRef>
+          <a:effectRef idx="0">
+            <a:schemeClr val="accent1"/>
+          </a:effectRef>
+          <a:fontRef idx="minor">
+            <a:schemeClr val="lt1"/>
+          </a:fontRef>
+        </p:style>
+        <p:txBody>
+          <a:bodyPr rtlCol="0" anchor="ctr"/>
+          <a:lstStyle/>
+          <a:p>
+            <a:pPr algn="ctr"/>
+            <a:endParaRPr lang="en-US" dirty="0"/>
+          </a:p>
+        </p:txBody>
+      </p:sp>
+    </p:spTree>
+    <p:extLst>
+      <p:ext uri="{BB962C8B-B14F-4D97-AF65-F5344CB8AC3E}">
+        <p14:creationId xmlns:p14="http://schemas.microsoft.com/office/powerpoint/2010/main" val="2990515691"/>
+      </p:ext>
+    </p:extLst>
+  </p:cSld>
+  <p:clrMapOvr>
+    <a:masterClrMapping/>
+  </p:clrMapOvr>
+</p:sld>
+</file>
+
+<file path=ppt/slides/slide27.xml><?xml version="1.0" encoding="utf-8"?>
+<p:sld xmlns:a="http://schemas.openxmlformats.org/drawingml/2006/main" xmlns:r="http://schemas.openxmlformats.org/officeDocument/2006/relationships" xmlns:p="http://schemas.openxmlformats.org/presentationml/2006/main">
+  <p:cSld>
+    <p:spTree>
+      <p:nvGrpSpPr>
+        <p:cNvPr id="1" name=""/>
+        <p:cNvGrpSpPr/>
+        <p:nvPr/>
+      </p:nvGrpSpPr>
+      <p:grpSpPr>
+        <a:xfrm>
+          <a:off x="0" y="0"/>
+          <a:ext cx="0" cy="0"/>
+          <a:chOff x="0" y="0"/>
+          <a:chExt cx="0" cy="0"/>
+        </a:xfrm>
+      </p:grpSpPr>
+      <p:sp>
+        <p:nvSpPr>
+          <p:cNvPr id="2" name="Title 1">
+            <a:extLst>
+              <a:ext uri="{FF2B5EF4-FFF2-40B4-BE49-F238E27FC236}">
+                <a16:creationId xmlns:a16="http://schemas.microsoft.com/office/drawing/2014/main" id="{71F4C08B-82F0-E2AE-3B04-036C6E106A8E}"/>
+              </a:ext>
+            </a:extLst>
+          </p:cNvPr>
+          <p:cNvSpPr>
+            <a:spLocks noGrp="1"/>
+          </p:cNvSpPr>
+          <p:nvPr>
+            <p:ph type="title"/>
+          </p:nvPr>
+        </p:nvSpPr>
+        <p:spPr/>
+        <p:txBody>
+          <a:bodyPr/>
+          <a:lstStyle/>
+          <a:p>
+            <a:r>
+              <a:rPr lang="en-US" dirty="0"/>
+              <a:t>Understanding Regression Output</a:t>
+            </a:r>
+          </a:p>
+        </p:txBody>
+      </p:sp>
+      <p:sp>
+        <p:nvSpPr>
+          <p:cNvPr id="3" name="Content Placeholder 2">
+            <a:extLst>
+              <a:ext uri="{FF2B5EF4-FFF2-40B4-BE49-F238E27FC236}">
+                <a16:creationId xmlns:a16="http://schemas.microsoft.com/office/drawing/2014/main" id="{E1B80DBA-E926-E20F-1DDD-B97FBEE72137}"/>
+              </a:ext>
+            </a:extLst>
+          </p:cNvPr>
+          <p:cNvSpPr>
+            <a:spLocks noGrp="1"/>
+          </p:cNvSpPr>
+          <p:nvPr>
+            <p:ph idx="1"/>
+          </p:nvPr>
+        </p:nvSpPr>
+        <p:spPr/>
+        <p:txBody>
+          <a:bodyPr>
+            <a:normAutofit lnSpcReduction="10000"/>
+          </a:bodyPr>
+          <a:lstStyle/>
+          <a:p>
+            <a:r>
+              <a:rPr lang="en-US" b="1" dirty="0"/>
+              <a:t>Residual Standard Error: 165.9</a:t>
+            </a:r>
+            <a:endParaRPr lang="en-US" dirty="0"/>
+          </a:p>
+          <a:p>
+            <a:pPr lvl="1"/>
+            <a:r>
+              <a:rPr lang="en-US" dirty="0"/>
+              <a:t>On average, model predictions are about </a:t>
+            </a:r>
+            <a:r>
+              <a:rPr lang="en-US" b="1" dirty="0"/>
+              <a:t>$166 off</a:t>
+            </a:r>
+            <a:r>
+              <a:rPr lang="en-US" dirty="0"/>
+              <a:t> from the actual values</a:t>
+            </a:r>
+          </a:p>
+          <a:p>
+            <a:r>
+              <a:rPr lang="en-US" b="1" dirty="0"/>
+              <a:t>Multiple R-squared: 0.0023</a:t>
+            </a:r>
+            <a:endParaRPr lang="en-US" dirty="0"/>
+          </a:p>
+          <a:p>
+            <a:pPr lvl="1"/>
+            <a:r>
+              <a:rPr lang="en-US" dirty="0"/>
+              <a:t>The model explains </a:t>
+            </a:r>
+            <a:r>
+              <a:rPr lang="en-US" b="1" dirty="0"/>
+              <a:t>0.23% of the variation</a:t>
+            </a:r>
+            <a:r>
+              <a:rPr lang="en-US" dirty="0"/>
+              <a:t> in the outcome</a:t>
+            </a:r>
+          </a:p>
+          <a:p>
+            <a:pPr lvl="1"/>
+            <a:r>
+              <a:rPr lang="en-US" dirty="0"/>
+              <a:t>Very low explanatory power</a:t>
+            </a:r>
+          </a:p>
+          <a:p>
+            <a:r>
+              <a:rPr lang="en-US" b="1" dirty="0"/>
+              <a:t>Adjusted R-squared: 0.0023</a:t>
+            </a:r>
+            <a:endParaRPr lang="en-US" dirty="0"/>
+          </a:p>
+          <a:p>
+            <a:pPr lvl="1"/>
+            <a:r>
+              <a:rPr lang="en-US" dirty="0"/>
+              <a:t>Same as R², but penalizes adding useless predictors</a:t>
+            </a:r>
+          </a:p>
+          <a:p>
+            <a:r>
+              <a:rPr lang="en-US" b="1" dirty="0"/>
+              <a:t>F-statistic: 117.8, p-value &lt; 2.2e-16</a:t>
+            </a:r>
+            <a:endParaRPr lang="en-US" dirty="0"/>
+          </a:p>
+          <a:p>
+            <a:pPr lvl="1"/>
+            <a:r>
+              <a:rPr lang="en-US" dirty="0"/>
+              <a:t>Tests whether the predictor(s) together explain anything at all</a:t>
+            </a:r>
+          </a:p>
+          <a:p>
+            <a:pPr lvl="1"/>
+            <a:r>
+              <a:rPr lang="en-US" dirty="0"/>
+              <a:t>Large F and tiny p-value mean: </a:t>
+            </a:r>
+            <a:r>
+              <a:rPr lang="en-US" b="1" dirty="0"/>
+              <a:t>Yes, the predictor matters statistically</a:t>
+            </a:r>
+            <a:endParaRPr lang="en-US" dirty="0"/>
+          </a:p>
+        </p:txBody>
+      </p:sp>
+    </p:spTree>
+    <p:extLst>
+      <p:ext uri="{BB962C8B-B14F-4D97-AF65-F5344CB8AC3E}">
+        <p14:creationId xmlns:p14="http://schemas.microsoft.com/office/powerpoint/2010/main" val="3890480791"/>
+      </p:ext>
+    </p:extLst>
+  </p:cSld>
+  <p:clrMapOvr>
+    <a:masterClrMapping/>
+  </p:clrMapOvr>
+</p:sld>
+</file>
+
+<file path=ppt/slides/slide28.xml><?xml version="1.0" encoding="utf-8"?>
+<p:sld xmlns:a="http://schemas.openxmlformats.org/drawingml/2006/main" xmlns:r="http://schemas.openxmlformats.org/officeDocument/2006/relationships" xmlns:p="http://schemas.openxmlformats.org/presentationml/2006/main">
+  <p:cSld>
+    <p:spTree>
+      <p:nvGrpSpPr>
+        <p:cNvPr id="1" name="">
+          <a:extLst>
+            <a:ext uri="{FF2B5EF4-FFF2-40B4-BE49-F238E27FC236}">
               <a16:creationId xmlns:a16="http://schemas.microsoft.com/office/drawing/2014/main" id="{021AEB2F-4119-9E2A-D03E-D2E356893582}"/>
             </a:ext>
           </a:extLst>
@@ -8186,7 +8721,7 @@
 </p:sld>
 </file>
 
-<file path=ppt/slides/slide27.xml><?xml version="1.0" encoding="utf-8"?>
+<file path=ppt/slides/slide29.xml><?xml version="1.0" encoding="utf-8"?>
 <p:sld xmlns:a="http://schemas.openxmlformats.org/drawingml/2006/main" xmlns:r="http://schemas.openxmlformats.org/officeDocument/2006/relationships" xmlns:p="http://schemas.openxmlformats.org/presentationml/2006/main">
   <p:cSld>
     <p:spTree>
@@ -8406,7 +8941,295 @@
 </p:sld>
 </file>
 
-<file path=ppt/slides/slide28.xml><?xml version="1.0" encoding="utf-8"?>
+<file path=ppt/slides/slide3.xml><?xml version="1.0" encoding="utf-8"?>
+<p:sld xmlns:a="http://schemas.openxmlformats.org/drawingml/2006/main" xmlns:r="http://schemas.openxmlformats.org/officeDocument/2006/relationships" xmlns:p="http://schemas.openxmlformats.org/presentationml/2006/main">
+  <p:cSld>
+    <p:spTree>
+      <p:nvGrpSpPr>
+        <p:cNvPr id="1" name=""/>
+        <p:cNvGrpSpPr/>
+        <p:nvPr/>
+      </p:nvGrpSpPr>
+      <p:grpSpPr>
+        <a:xfrm>
+          <a:off x="0" y="0"/>
+          <a:ext cx="0" cy="0"/>
+          <a:chOff x="0" y="0"/>
+          <a:chExt cx="0" cy="0"/>
+        </a:xfrm>
+      </p:grpSpPr>
+      <p:sp>
+        <p:nvSpPr>
+          <p:cNvPr id="2" name="Title 1">
+            <a:extLst>
+              <a:ext uri="{FF2B5EF4-FFF2-40B4-BE49-F238E27FC236}">
+                <a16:creationId xmlns:a16="http://schemas.microsoft.com/office/drawing/2014/main" id="{EDA56499-0D8E-2730-BF89-F54BEDA15BA9}"/>
+              </a:ext>
+            </a:extLst>
+          </p:cNvPr>
+          <p:cNvSpPr>
+            <a:spLocks noGrp="1"/>
+          </p:cNvSpPr>
+          <p:nvPr>
+            <p:ph type="title"/>
+          </p:nvPr>
+        </p:nvSpPr>
+        <p:spPr/>
+        <p:txBody>
+          <a:bodyPr/>
+          <a:lstStyle/>
+          <a:p>
+            <a:r>
+              <a:rPr lang="en-US" dirty="0"/>
+              <a:t>What is a Linear Regression</a:t>
+            </a:r>
+          </a:p>
+        </p:txBody>
+      </p:sp>
+      <mc:AlternateContent xmlns:mc="http://schemas.openxmlformats.org/markup-compatibility/2006" xmlns:a14="http://schemas.microsoft.com/office/drawing/2010/main">
+        <mc:Choice Requires="a14">
+          <p:sp>
+            <p:nvSpPr>
+              <p:cNvPr id="3" name="Content Placeholder 2">
+                <a:extLst>
+                  <a:ext uri="{FF2B5EF4-FFF2-40B4-BE49-F238E27FC236}">
+                    <a16:creationId xmlns:a16="http://schemas.microsoft.com/office/drawing/2014/main" id="{C872D126-E7C6-5C85-411F-23F5FE78B585}"/>
+                  </a:ext>
+                </a:extLst>
+              </p:cNvPr>
+              <p:cNvSpPr>
+                <a:spLocks noGrp="1"/>
+              </p:cNvSpPr>
+              <p:nvPr>
+                <p:ph idx="1"/>
+              </p:nvPr>
+            </p:nvSpPr>
+            <p:spPr/>
+            <p:txBody>
+              <a:bodyPr>
+                <a:normAutofit lnSpcReduction="10000"/>
+              </a:bodyPr>
+              <a:lstStyle/>
+              <a:p>
+                <a:r>
+                  <a:rPr lang="en-US" dirty="0"/>
+                  <a:t>In simple terms, a regression allows us to predict a variable Y using one or a set of variables </a:t>
+                </a:r>
+                <a14:m>
+                  <m:oMath xmlns:m="http://schemas.openxmlformats.org/officeDocument/2006/math">
+                    <m:sSub>
+                      <m:sSubPr>
+                        <m:ctrlPr>
+                          <a:rPr lang="en-US" b="0" i="1" smtClean="0">
+                            <a:latin typeface="Cambria Math" panose="02040503050406030204" pitchFamily="18" charset="0"/>
+                          </a:rPr>
+                        </m:ctrlPr>
+                      </m:sSubPr>
+                      <m:e>
+                        <m:r>
+                          <a:rPr lang="en-US" b="0" i="1" smtClean="0">
+                            <a:latin typeface="Cambria Math" panose="02040503050406030204" pitchFamily="18" charset="0"/>
+                          </a:rPr>
+                          <m:t>𝑋</m:t>
+                        </m:r>
+                      </m:e>
+                      <m:sub>
+                        <m:r>
+                          <a:rPr lang="en-US" b="0" i="1" smtClean="0">
+                            <a:latin typeface="Cambria Math" panose="02040503050406030204" pitchFamily="18" charset="0"/>
+                          </a:rPr>
+                          <m:t>𝑗</m:t>
+                        </m:r>
+                      </m:sub>
+                    </m:sSub>
+                    <m:r>
+                      <a:rPr lang="en-US" b="0" i="1" smtClean="0">
+                        <a:latin typeface="Cambria Math" panose="02040503050406030204" pitchFamily="18" charset="0"/>
+                      </a:rPr>
+                      <m:t> (</m:t>
+                    </m:r>
+                    <m:r>
+                      <a:rPr lang="en-US" b="0" i="1" smtClean="0">
+                        <a:latin typeface="Cambria Math" panose="02040503050406030204" pitchFamily="18" charset="0"/>
+                      </a:rPr>
+                      <m:t>𝑗</m:t>
+                    </m:r>
+                    <m:r>
+                      <a:rPr lang="en-US" b="0" i="1" smtClean="0">
+                        <a:latin typeface="Cambria Math" panose="02040503050406030204" pitchFamily="18" charset="0"/>
+                      </a:rPr>
+                      <m:t>=1:</m:t>
+                    </m:r>
+                    <m:r>
+                      <a:rPr lang="en-US" b="0" i="1" smtClean="0">
+                        <a:latin typeface="Cambria Math" panose="02040503050406030204" pitchFamily="18" charset="0"/>
+                      </a:rPr>
+                      <m:t>𝑁</m:t>
+                    </m:r>
+                    <m:r>
+                      <a:rPr lang="en-US" b="0" i="1" smtClean="0">
+                        <a:latin typeface="Cambria Math" panose="02040503050406030204" pitchFamily="18" charset="0"/>
+                      </a:rPr>
+                      <m:t>)</m:t>
+                    </m:r>
+                  </m:oMath>
+                </a14:m>
+                <a:endParaRPr lang="en-US" dirty="0"/>
+              </a:p>
+              <a:p>
+                <a:r>
+                  <a:rPr lang="en-US" dirty="0"/>
+                  <a:t>We refer to </a:t>
+                </a:r>
+                <a:r>
+                  <a:rPr lang="en-US" b="1" dirty="0"/>
+                  <a:t>Y as outcome or dependent variable</a:t>
+                </a:r>
+              </a:p>
+              <a:p>
+                <a:r>
+                  <a:rPr lang="en-US" dirty="0"/>
+                  <a:t>We refer to </a:t>
+                </a:r>
+                <a14:m>
+                  <m:oMath xmlns:m="http://schemas.openxmlformats.org/officeDocument/2006/math">
+                    <m:sSub>
+                      <m:sSubPr>
+                        <m:ctrlPr>
+                          <a:rPr lang="en-US" b="1" i="1" smtClean="0">
+                            <a:latin typeface="Cambria Math" panose="02040503050406030204" pitchFamily="18" charset="0"/>
+                          </a:rPr>
+                        </m:ctrlPr>
+                      </m:sSubPr>
+                      <m:e>
+                        <m:r>
+                          <a:rPr lang="en-US" b="1" i="1" smtClean="0">
+                            <a:latin typeface="Cambria Math" panose="02040503050406030204" pitchFamily="18" charset="0"/>
+                          </a:rPr>
+                          <m:t>𝑿</m:t>
+                        </m:r>
+                      </m:e>
+                      <m:sub>
+                        <m:r>
+                          <a:rPr lang="en-US" b="1" i="1" smtClean="0">
+                            <a:latin typeface="Cambria Math" panose="02040503050406030204" pitchFamily="18" charset="0"/>
+                          </a:rPr>
+                          <m:t>𝒋</m:t>
+                        </m:r>
+                      </m:sub>
+                    </m:sSub>
+                  </m:oMath>
+                </a14:m>
+                <a:r>
+                  <a:rPr lang="en-US" b="1" dirty="0"/>
+                  <a:t> as predictors or independent variables</a:t>
+                </a:r>
+              </a:p>
+              <a:p>
+                <a:endParaRPr lang="en-US" dirty="0"/>
+              </a:p>
+              <a:p>
+                <a:r>
+                  <a:rPr lang="en-US" dirty="0"/>
+                  <a:t>For example:</a:t>
+                </a:r>
+              </a:p>
+              <a:p>
+                <a:pPr lvl="1"/>
+                <a:r>
+                  <a:rPr lang="en-US" dirty="0"/>
+                  <a:t>Income (Y) as a function of education (X)</a:t>
+                </a:r>
+              </a:p>
+              <a:p>
+                <a:pPr lvl="1"/>
+                <a:r>
+                  <a:rPr lang="en-US" dirty="0"/>
+                  <a:t>Sales (Y) as a function of ad spend (X)</a:t>
+                </a:r>
+              </a:p>
+              <a:p>
+                <a:pPr lvl="1"/>
+                <a:r>
+                  <a:rPr lang="en-US" dirty="0"/>
+                  <a:t>Revenue (Y) as a function of review ratings (X)</a:t>
+                </a:r>
+              </a:p>
+              <a:p>
+                <a:pPr lvl="1"/>
+                <a:r>
+                  <a:rPr lang="en-US" dirty="0"/>
+                  <a:t>House prices (Y) as a function of mortgage interest rates (X)</a:t>
+                </a:r>
+              </a:p>
+              <a:p>
+                <a:pPr lvl="1"/>
+                <a:endParaRPr lang="en-US" dirty="0"/>
+              </a:p>
+              <a:p>
+                <a:pPr lvl="1"/>
+                <a:endParaRPr lang="en-US" dirty="0"/>
+              </a:p>
+              <a:p>
+                <a:endParaRPr lang="en-US" dirty="0"/>
+              </a:p>
+            </p:txBody>
+          </p:sp>
+        </mc:Choice>
+        <mc:Fallback xmlns="">
+          <p:sp>
+            <p:nvSpPr>
+              <p:cNvPr id="3" name="Content Placeholder 2">
+                <a:extLst>
+                  <a:ext uri="{FF2B5EF4-FFF2-40B4-BE49-F238E27FC236}">
+                    <a16:creationId xmlns:a16="http://schemas.microsoft.com/office/drawing/2014/main" id="{C872D126-E7C6-5C85-411F-23F5FE78B585}"/>
+                  </a:ext>
+                </a:extLst>
+              </p:cNvPr>
+              <p:cNvSpPr>
+                <a:spLocks noGrp="1" noRot="1" noChangeAspect="1" noMove="1" noResize="1" noEditPoints="1" noAdjustHandles="1" noChangeArrowheads="1" noChangeShapeType="1" noTextEdit="1"/>
+              </p:cNvSpPr>
+              <p:nvPr>
+                <p:ph idx="1"/>
+              </p:nvPr>
+            </p:nvSpPr>
+            <p:spPr>
+              <a:blipFill>
+                <a:blip r:embed="rId2"/>
+                <a:stretch>
+                  <a:fillRect l="-1086" t="-3198"/>
+                </a:stretch>
+              </a:blipFill>
+            </p:spPr>
+            <p:txBody>
+              <a:bodyPr/>
+              <a:lstStyle/>
+              <a:p>
+                <a:r>
+                  <a:rPr lang="en-US">
+                    <a:noFill/>
+                  </a:rPr>
+                  <a:t> </a:t>
+                </a:r>
+              </a:p>
+            </p:txBody>
+          </p:sp>
+        </mc:Fallback>
+      </mc:AlternateContent>
+    </p:spTree>
+    <p:extLst>
+      <p:ext uri="{BB962C8B-B14F-4D97-AF65-F5344CB8AC3E}">
+        <p14:creationId xmlns:p14="http://schemas.microsoft.com/office/powerpoint/2010/main" val="3980262549"/>
+      </p:ext>
+    </p:extLst>
+  </p:cSld>
+  <p:clrMapOvr>
+    <a:masterClrMapping/>
+  </p:clrMapOvr>
+</p:sld>
+</file>
+
+<file path=ppt/slides/slide30.xml><?xml version="1.0" encoding="utf-8"?>
 <p:sld xmlns:a="http://schemas.openxmlformats.org/drawingml/2006/main" xmlns:r="http://schemas.openxmlformats.org/officeDocument/2006/relationships" xmlns:p="http://schemas.openxmlformats.org/presentationml/2006/main">
   <p:cSld>
     <p:spTree>
@@ -8676,7 +9499,7 @@
 </p:sld>
 </file>
 
-<file path=ppt/slides/slide29.xml><?xml version="1.0" encoding="utf-8"?>
+<file path=ppt/slides/slide31.xml><?xml version="1.0" encoding="utf-8"?>
 <p:sld xmlns:a="http://schemas.openxmlformats.org/drawingml/2006/main" xmlns:r="http://schemas.openxmlformats.org/officeDocument/2006/relationships" xmlns:p="http://schemas.openxmlformats.org/presentationml/2006/main">
   <p:cSld>
     <p:spTree>
@@ -10833,295 +11656,7 @@
 </p:sld>
 </file>
 
-<file path=ppt/slides/slide3.xml><?xml version="1.0" encoding="utf-8"?>
-<p:sld xmlns:a="http://schemas.openxmlformats.org/drawingml/2006/main" xmlns:r="http://schemas.openxmlformats.org/officeDocument/2006/relationships" xmlns:p="http://schemas.openxmlformats.org/presentationml/2006/main">
-  <p:cSld>
-    <p:spTree>
-      <p:nvGrpSpPr>
-        <p:cNvPr id="1" name=""/>
-        <p:cNvGrpSpPr/>
-        <p:nvPr/>
-      </p:nvGrpSpPr>
-      <p:grpSpPr>
-        <a:xfrm>
-          <a:off x="0" y="0"/>
-          <a:ext cx="0" cy="0"/>
-          <a:chOff x="0" y="0"/>
-          <a:chExt cx="0" cy="0"/>
-        </a:xfrm>
-      </p:grpSpPr>
-      <p:sp>
-        <p:nvSpPr>
-          <p:cNvPr id="2" name="Title 1">
-            <a:extLst>
-              <a:ext uri="{FF2B5EF4-FFF2-40B4-BE49-F238E27FC236}">
-                <a16:creationId xmlns:a16="http://schemas.microsoft.com/office/drawing/2014/main" id="{EDA56499-0D8E-2730-BF89-F54BEDA15BA9}"/>
-              </a:ext>
-            </a:extLst>
-          </p:cNvPr>
-          <p:cNvSpPr>
-            <a:spLocks noGrp="1"/>
-          </p:cNvSpPr>
-          <p:nvPr>
-            <p:ph type="title"/>
-          </p:nvPr>
-        </p:nvSpPr>
-        <p:spPr/>
-        <p:txBody>
-          <a:bodyPr/>
-          <a:lstStyle/>
-          <a:p>
-            <a:r>
-              <a:rPr lang="en-US" dirty="0"/>
-              <a:t>What is a Linear Regression</a:t>
-            </a:r>
-          </a:p>
-        </p:txBody>
-      </p:sp>
-      <mc:AlternateContent xmlns:mc="http://schemas.openxmlformats.org/markup-compatibility/2006" xmlns:a14="http://schemas.microsoft.com/office/drawing/2010/main">
-        <mc:Choice Requires="a14">
-          <p:sp>
-            <p:nvSpPr>
-              <p:cNvPr id="3" name="Content Placeholder 2">
-                <a:extLst>
-                  <a:ext uri="{FF2B5EF4-FFF2-40B4-BE49-F238E27FC236}">
-                    <a16:creationId xmlns:a16="http://schemas.microsoft.com/office/drawing/2014/main" id="{C872D126-E7C6-5C85-411F-23F5FE78B585}"/>
-                  </a:ext>
-                </a:extLst>
-              </p:cNvPr>
-              <p:cNvSpPr>
-                <a:spLocks noGrp="1"/>
-              </p:cNvSpPr>
-              <p:nvPr>
-                <p:ph idx="1"/>
-              </p:nvPr>
-            </p:nvSpPr>
-            <p:spPr/>
-            <p:txBody>
-              <a:bodyPr>
-                <a:normAutofit lnSpcReduction="10000"/>
-              </a:bodyPr>
-              <a:lstStyle/>
-              <a:p>
-                <a:r>
-                  <a:rPr lang="en-US" dirty="0"/>
-                  <a:t>In simple terms, a regression allows us to predict a variable Y using one or a set of variables </a:t>
-                </a:r>
-                <a14:m>
-                  <m:oMath xmlns:m="http://schemas.openxmlformats.org/officeDocument/2006/math">
-                    <m:sSub>
-                      <m:sSubPr>
-                        <m:ctrlPr>
-                          <a:rPr lang="en-US" b="0" i="1" smtClean="0">
-                            <a:latin typeface="Cambria Math" panose="02040503050406030204" pitchFamily="18" charset="0"/>
-                          </a:rPr>
-                        </m:ctrlPr>
-                      </m:sSubPr>
-                      <m:e>
-                        <m:r>
-                          <a:rPr lang="en-US" b="0" i="1" smtClean="0">
-                            <a:latin typeface="Cambria Math" panose="02040503050406030204" pitchFamily="18" charset="0"/>
-                          </a:rPr>
-                          <m:t>𝑋</m:t>
-                        </m:r>
-                      </m:e>
-                      <m:sub>
-                        <m:r>
-                          <a:rPr lang="en-US" b="0" i="1" smtClean="0">
-                            <a:latin typeface="Cambria Math" panose="02040503050406030204" pitchFamily="18" charset="0"/>
-                          </a:rPr>
-                          <m:t>𝑗</m:t>
-                        </m:r>
-                      </m:sub>
-                    </m:sSub>
-                    <m:r>
-                      <a:rPr lang="en-US" b="0" i="1" smtClean="0">
-                        <a:latin typeface="Cambria Math" panose="02040503050406030204" pitchFamily="18" charset="0"/>
-                      </a:rPr>
-                      <m:t> (</m:t>
-                    </m:r>
-                    <m:r>
-                      <a:rPr lang="en-US" b="0" i="1" smtClean="0">
-                        <a:latin typeface="Cambria Math" panose="02040503050406030204" pitchFamily="18" charset="0"/>
-                      </a:rPr>
-                      <m:t>𝑗</m:t>
-                    </m:r>
-                    <m:r>
-                      <a:rPr lang="en-US" b="0" i="1" smtClean="0">
-                        <a:latin typeface="Cambria Math" panose="02040503050406030204" pitchFamily="18" charset="0"/>
-                      </a:rPr>
-                      <m:t>=1:</m:t>
-                    </m:r>
-                    <m:r>
-                      <a:rPr lang="en-US" b="0" i="1" smtClean="0">
-                        <a:latin typeface="Cambria Math" panose="02040503050406030204" pitchFamily="18" charset="0"/>
-                      </a:rPr>
-                      <m:t>𝑁</m:t>
-                    </m:r>
-                    <m:r>
-                      <a:rPr lang="en-US" b="0" i="1" smtClean="0">
-                        <a:latin typeface="Cambria Math" panose="02040503050406030204" pitchFamily="18" charset="0"/>
-                      </a:rPr>
-                      <m:t>)</m:t>
-                    </m:r>
-                  </m:oMath>
-                </a14:m>
-                <a:endParaRPr lang="en-US" dirty="0"/>
-              </a:p>
-              <a:p>
-                <a:r>
-                  <a:rPr lang="en-US" dirty="0"/>
-                  <a:t>We refer to </a:t>
-                </a:r>
-                <a:r>
-                  <a:rPr lang="en-US" b="1" dirty="0"/>
-                  <a:t>Y as outcome or dependent variable</a:t>
-                </a:r>
-              </a:p>
-              <a:p>
-                <a:r>
-                  <a:rPr lang="en-US" dirty="0"/>
-                  <a:t>We refer to </a:t>
-                </a:r>
-                <a14:m>
-                  <m:oMath xmlns:m="http://schemas.openxmlformats.org/officeDocument/2006/math">
-                    <m:sSub>
-                      <m:sSubPr>
-                        <m:ctrlPr>
-                          <a:rPr lang="en-US" b="1" i="1" smtClean="0">
-                            <a:latin typeface="Cambria Math" panose="02040503050406030204" pitchFamily="18" charset="0"/>
-                          </a:rPr>
-                        </m:ctrlPr>
-                      </m:sSubPr>
-                      <m:e>
-                        <m:r>
-                          <a:rPr lang="en-US" b="1" i="1" smtClean="0">
-                            <a:latin typeface="Cambria Math" panose="02040503050406030204" pitchFamily="18" charset="0"/>
-                          </a:rPr>
-                          <m:t>𝑿</m:t>
-                        </m:r>
-                      </m:e>
-                      <m:sub>
-                        <m:r>
-                          <a:rPr lang="en-US" b="1" i="1" smtClean="0">
-                            <a:latin typeface="Cambria Math" panose="02040503050406030204" pitchFamily="18" charset="0"/>
-                          </a:rPr>
-                          <m:t>𝒋</m:t>
-                        </m:r>
-                      </m:sub>
-                    </m:sSub>
-                  </m:oMath>
-                </a14:m>
-                <a:r>
-                  <a:rPr lang="en-US" b="1" dirty="0"/>
-                  <a:t> as predictors or independent variables</a:t>
-                </a:r>
-              </a:p>
-              <a:p>
-                <a:endParaRPr lang="en-US" dirty="0"/>
-              </a:p>
-              <a:p>
-                <a:r>
-                  <a:rPr lang="en-US" dirty="0"/>
-                  <a:t>For example:</a:t>
-                </a:r>
-              </a:p>
-              <a:p>
-                <a:pPr lvl="1"/>
-                <a:r>
-                  <a:rPr lang="en-US" dirty="0"/>
-                  <a:t>Income (Y) as a function of education (X)</a:t>
-                </a:r>
-              </a:p>
-              <a:p>
-                <a:pPr lvl="1"/>
-                <a:r>
-                  <a:rPr lang="en-US" dirty="0"/>
-                  <a:t>Sales (Y) as a function of ad spend (X)</a:t>
-                </a:r>
-              </a:p>
-              <a:p>
-                <a:pPr lvl="1"/>
-                <a:r>
-                  <a:rPr lang="en-US" dirty="0"/>
-                  <a:t>Revenue (Y) as a function of review ratings (X)</a:t>
-                </a:r>
-              </a:p>
-              <a:p>
-                <a:pPr lvl="1"/>
-                <a:r>
-                  <a:rPr lang="en-US" dirty="0"/>
-                  <a:t>House prices (Y) as a function of mortgage interest rates (X)</a:t>
-                </a:r>
-              </a:p>
-              <a:p>
-                <a:pPr lvl="1"/>
-                <a:endParaRPr lang="en-US" dirty="0"/>
-              </a:p>
-              <a:p>
-                <a:pPr lvl="1"/>
-                <a:endParaRPr lang="en-US" dirty="0"/>
-              </a:p>
-              <a:p>
-                <a:endParaRPr lang="en-US" dirty="0"/>
-              </a:p>
-            </p:txBody>
-          </p:sp>
-        </mc:Choice>
-        <mc:Fallback xmlns="">
-          <p:sp>
-            <p:nvSpPr>
-              <p:cNvPr id="3" name="Content Placeholder 2">
-                <a:extLst>
-                  <a:ext uri="{FF2B5EF4-FFF2-40B4-BE49-F238E27FC236}">
-                    <a16:creationId xmlns:a16="http://schemas.microsoft.com/office/drawing/2014/main" id="{C872D126-E7C6-5C85-411F-23F5FE78B585}"/>
-                  </a:ext>
-                </a:extLst>
-              </p:cNvPr>
-              <p:cNvSpPr>
-                <a:spLocks noGrp="1" noRot="1" noChangeAspect="1" noMove="1" noResize="1" noEditPoints="1" noAdjustHandles="1" noChangeArrowheads="1" noChangeShapeType="1" noTextEdit="1"/>
-              </p:cNvSpPr>
-              <p:nvPr>
-                <p:ph idx="1"/>
-              </p:nvPr>
-            </p:nvSpPr>
-            <p:spPr>
-              <a:blipFill>
-                <a:blip r:embed="rId2"/>
-                <a:stretch>
-                  <a:fillRect l="-1086" t="-3198"/>
-                </a:stretch>
-              </a:blipFill>
-            </p:spPr>
-            <p:txBody>
-              <a:bodyPr/>
-              <a:lstStyle/>
-              <a:p>
-                <a:r>
-                  <a:rPr lang="en-US">
-                    <a:noFill/>
-                  </a:rPr>
-                  <a:t> </a:t>
-                </a:r>
-              </a:p>
-            </p:txBody>
-          </p:sp>
-        </mc:Fallback>
-      </mc:AlternateContent>
-    </p:spTree>
-    <p:extLst>
-      <p:ext uri="{BB962C8B-B14F-4D97-AF65-F5344CB8AC3E}">
-        <p14:creationId xmlns:p14="http://schemas.microsoft.com/office/powerpoint/2010/main" val="3980262549"/>
-      </p:ext>
-    </p:extLst>
-  </p:cSld>
-  <p:clrMapOvr>
-    <a:masterClrMapping/>
-  </p:clrMapOvr>
-</p:sld>
-</file>
-
-<file path=ppt/slides/slide30.xml><?xml version="1.0" encoding="utf-8"?>
+<file path=ppt/slides/slide32.xml><?xml version="1.0" encoding="utf-8"?>
 <p:sld xmlns:a="http://schemas.openxmlformats.org/drawingml/2006/main" xmlns:r="http://schemas.openxmlformats.org/officeDocument/2006/relationships" xmlns:p="http://schemas.openxmlformats.org/presentationml/2006/main">
   <p:cSld>
     <p:spTree>
@@ -11536,7 +12071,7 @@
 </p:sld>
 </file>
 
-<file path=ppt/slides/slide31.xml><?xml version="1.0" encoding="utf-8"?>
+<file path=ppt/slides/slide33.xml><?xml version="1.0" encoding="utf-8"?>
 <p:sld xmlns:a="http://schemas.openxmlformats.org/drawingml/2006/main" xmlns:r="http://schemas.openxmlformats.org/officeDocument/2006/relationships" xmlns:p="http://schemas.openxmlformats.org/presentationml/2006/main">
   <p:cSld>
     <p:spTree>
@@ -12015,8 +12550,8 @@
           </a:p>
         </p:txBody>
       </p:sp>
-      <mc:AlternateContent xmlns:mc="http://schemas.openxmlformats.org/markup-compatibility/2006" xmlns:a14="http://schemas.microsoft.com/office/drawing/2010/main">
-        <mc:Choice Requires="a14">
+      <mc:AlternateContent xmlns:mc="http://schemas.openxmlformats.org/markup-compatibility/2006">
+        <mc:Choice xmlns:a14="http://schemas.microsoft.com/office/drawing/2010/main" Requires="a14">
           <p:sp>
             <p:nvSpPr>
               <p:cNvPr id="3" name="Content Placeholder 2">
@@ -12258,6 +12793,53 @@
                           <a:rPr lang="en-US" b="1" i="1" smtClean="0">
                             <a:latin typeface="Cambria Math" panose="02040503050406030204" pitchFamily="18" charset="0"/>
                           </a:rPr>
+                          <m:t>𝟎</m:t>
+                        </m:r>
+                      </m:sub>
+                    </m:sSub>
+                  </m:oMath>
+                </a14:m>
+                <a:r>
+                  <a:rPr lang="en-US" b="1" dirty="0"/>
+                  <a:t> </a:t>
+                </a:r>
+                <a:r>
+                  <a:rPr lang="en-US" dirty="0"/>
+                  <a:t>Is the </a:t>
+                </a:r>
+                <a:r>
+                  <a:rPr lang="en-US" b="1" dirty="0"/>
+                  <a:t>intercept</a:t>
+                </a:r>
+                <a:r>
+                  <a:rPr lang="en-US" dirty="0"/>
+                  <a:t>.</a:t>
+                </a:r>
+              </a:p>
+              <a:p>
+                <a14:m>
+                  <m:oMath xmlns:m="http://schemas.openxmlformats.org/officeDocument/2006/math">
+                    <m:sSub>
+                      <m:sSubPr>
+                        <m:ctrlPr>
+                          <a:rPr lang="en-US" b="1" i="1">
+                            <a:latin typeface="Cambria Math" panose="02040503050406030204" pitchFamily="18" charset="0"/>
+                          </a:rPr>
+                        </m:ctrlPr>
+                      </m:sSubPr>
+                      <m:e>
+                        <m:r>
+                          <a:rPr lang="en-US" b="1" i="1">
+                            <a:latin typeface="Cambria Math" panose="02040503050406030204" pitchFamily="18" charset="0"/>
+                          </a:rPr>
+                          <m:t>𝜷</m:t>
+                        </m:r>
+                      </m:e>
+                      <m:sub>
+                        <m:r>
+                          <a:rPr lang="en-US" b="1" i="1">
+                            <a:latin typeface="Cambria Math" panose="02040503050406030204" pitchFamily="18" charset="0"/>
+                          </a:rPr>
                           <m:t>𝟏</m:t>
                         </m:r>
                       </m:sub>
@@ -12279,53 +12861,6 @@
                 <a:r>
                   <a:rPr lang="en-US" dirty="0"/>
                   <a:t> for variable X. </a:t>
-                </a:r>
-              </a:p>
-              <a:p>
-                <a14:m>
-                  <m:oMath xmlns:m="http://schemas.openxmlformats.org/officeDocument/2006/math">
-                    <m:sSub>
-                      <m:sSubPr>
-                        <m:ctrlPr>
-                          <a:rPr lang="en-US" b="1" i="1" smtClean="0">
-                            <a:latin typeface="Cambria Math" panose="02040503050406030204" pitchFamily="18" charset="0"/>
-                          </a:rPr>
-                        </m:ctrlPr>
-                      </m:sSubPr>
-                      <m:e>
-                        <m:r>
-                          <a:rPr lang="en-US" b="1" i="1" smtClean="0">
-                            <a:latin typeface="Cambria Math" panose="02040503050406030204" pitchFamily="18" charset="0"/>
-                          </a:rPr>
-                          <m:t>𝜷</m:t>
-                        </m:r>
-                      </m:e>
-                      <m:sub>
-                        <m:r>
-                          <a:rPr lang="en-US" b="1" i="1" smtClean="0">
-                            <a:latin typeface="Cambria Math" panose="02040503050406030204" pitchFamily="18" charset="0"/>
-                          </a:rPr>
-                          <m:t>𝟎</m:t>
-                        </m:r>
-                      </m:sub>
-                    </m:sSub>
-                  </m:oMath>
-                </a14:m>
-                <a:r>
-                  <a:rPr lang="en-US" b="1" dirty="0"/>
-                  <a:t> </a:t>
-                </a:r>
-                <a:r>
-                  <a:rPr lang="en-US" dirty="0"/>
-                  <a:t>Is the </a:t>
-                </a:r>
-                <a:r>
-                  <a:rPr lang="en-US" b="1" dirty="0"/>
-                  <a:t>intercept</a:t>
-                </a:r>
-                <a:r>
-                  <a:rPr lang="en-US" dirty="0"/>
-                  <a:t>.</a:t>
                 </a:r>
               </a:p>
               <a:p>
@@ -12389,7 +12924,7 @@
             </p:txBody>
           </p:sp>
         </mc:Choice>
-        <mc:Fallback xmlns="">
+        <mc:Fallback>
           <p:sp>
             <p:nvSpPr>
               <p:cNvPr id="3" name="Content Placeholder 2">

--- a/w4/w4-1-ols.pptx
+++ b/w4/w4-1-ols.pptx
@@ -5,42 +5,43 @@
     <p:sldMasterId id="2147483648" r:id="rId1"/>
   </p:sldMasterIdLst>
   <p:notesMasterIdLst>
-    <p:notesMasterId r:id="rId35"/>
+    <p:notesMasterId r:id="rId36"/>
   </p:notesMasterIdLst>
   <p:sldIdLst>
     <p:sldId id="256" r:id="rId2"/>
-    <p:sldId id="257" r:id="rId3"/>
-    <p:sldId id="258" r:id="rId4"/>
-    <p:sldId id="260" r:id="rId5"/>
-    <p:sldId id="261" r:id="rId6"/>
-    <p:sldId id="262" r:id="rId7"/>
-    <p:sldId id="263" r:id="rId8"/>
-    <p:sldId id="287" r:id="rId9"/>
-    <p:sldId id="286" r:id="rId10"/>
-    <p:sldId id="265" r:id="rId11"/>
-    <p:sldId id="285" r:id="rId12"/>
-    <p:sldId id="267" r:id="rId13"/>
-    <p:sldId id="268" r:id="rId14"/>
-    <p:sldId id="264" r:id="rId15"/>
-    <p:sldId id="269" r:id="rId16"/>
-    <p:sldId id="270" r:id="rId17"/>
-    <p:sldId id="272" r:id="rId18"/>
-    <p:sldId id="271" r:id="rId19"/>
-    <p:sldId id="266" r:id="rId20"/>
-    <p:sldId id="279" r:id="rId21"/>
-    <p:sldId id="273" r:id="rId22"/>
-    <p:sldId id="278" r:id="rId23"/>
-    <p:sldId id="274" r:id="rId24"/>
-    <p:sldId id="275" r:id="rId25"/>
-    <p:sldId id="276" r:id="rId26"/>
-    <p:sldId id="288" r:id="rId27"/>
-    <p:sldId id="289" r:id="rId28"/>
-    <p:sldId id="277" r:id="rId29"/>
-    <p:sldId id="280" r:id="rId30"/>
-    <p:sldId id="281" r:id="rId31"/>
-    <p:sldId id="282" r:id="rId32"/>
-    <p:sldId id="283" r:id="rId33"/>
-    <p:sldId id="284" r:id="rId34"/>
+    <p:sldId id="290" r:id="rId3"/>
+    <p:sldId id="257" r:id="rId4"/>
+    <p:sldId id="258" r:id="rId5"/>
+    <p:sldId id="260" r:id="rId6"/>
+    <p:sldId id="261" r:id="rId7"/>
+    <p:sldId id="262" r:id="rId8"/>
+    <p:sldId id="263" r:id="rId9"/>
+    <p:sldId id="287" r:id="rId10"/>
+    <p:sldId id="286" r:id="rId11"/>
+    <p:sldId id="265" r:id="rId12"/>
+    <p:sldId id="285" r:id="rId13"/>
+    <p:sldId id="267" r:id="rId14"/>
+    <p:sldId id="268" r:id="rId15"/>
+    <p:sldId id="264" r:id="rId16"/>
+    <p:sldId id="269" r:id="rId17"/>
+    <p:sldId id="270" r:id="rId18"/>
+    <p:sldId id="272" r:id="rId19"/>
+    <p:sldId id="271" r:id="rId20"/>
+    <p:sldId id="266" r:id="rId21"/>
+    <p:sldId id="279" r:id="rId22"/>
+    <p:sldId id="273" r:id="rId23"/>
+    <p:sldId id="278" r:id="rId24"/>
+    <p:sldId id="274" r:id="rId25"/>
+    <p:sldId id="275" r:id="rId26"/>
+    <p:sldId id="276" r:id="rId27"/>
+    <p:sldId id="288" r:id="rId28"/>
+    <p:sldId id="289" r:id="rId29"/>
+    <p:sldId id="277" r:id="rId30"/>
+    <p:sldId id="280" r:id="rId31"/>
+    <p:sldId id="281" r:id="rId32"/>
+    <p:sldId id="282" r:id="rId33"/>
+    <p:sldId id="283" r:id="rId34"/>
+    <p:sldId id="284" r:id="rId35"/>
   </p:sldIdLst>
   <p:sldSz cx="12192000" cy="6858000"/>
   <p:notesSz cx="6858000" cy="9144000"/>
@@ -229,7 +230,7 @@
           <a:p>
             <a:fld id="{37EF8E28-D632-3E40-99D1-636B550B9EC0}" type="datetimeFigureOut">
               <a:rPr lang="en-US" smtClean="0"/>
-              <a:t>9/14/25</a:t>
+              <a:t>9/15/25</a:t>
             </a:fld>
             <a:endParaRPr lang="en-US"/>
           </a:p>
@@ -572,7 +573,7 @@
           <a:p>
             <a:fld id="{0D805CC6-2368-E948-9486-DD06D34B20CD}" type="slidenum">
               <a:rPr lang="en-US" smtClean="0"/>
-              <a:t>25</a:t>
+              <a:t>26</a:t>
             </a:fld>
             <a:endParaRPr lang="en-US"/>
           </a:p>
@@ -691,7 +692,7 @@
           <a:p>
             <a:fld id="{0D805CC6-2368-E948-9486-DD06D34B20CD}" type="slidenum">
               <a:rPr lang="en-US" smtClean="0"/>
-              <a:t>26</a:t>
+              <a:t>27</a:t>
             </a:fld>
             <a:endParaRPr lang="en-US"/>
           </a:p>
@@ -810,7 +811,7 @@
           <a:p>
             <a:fld id="{0D805CC6-2368-E948-9486-DD06D34B20CD}" type="slidenum">
               <a:rPr lang="en-US" smtClean="0"/>
-              <a:t>28</a:t>
+              <a:t>29</a:t>
             </a:fld>
             <a:endParaRPr lang="en-US"/>
           </a:p>
@@ -976,7 +977,7 @@
           <a:p>
             <a:fld id="{7FE9FAC2-FB10-9742-9894-9A0800F80AB6}" type="datetimeFigureOut">
               <a:rPr lang="en-US" smtClean="0"/>
-              <a:t>9/14/25</a:t>
+              <a:t>9/15/25</a:t>
             </a:fld>
             <a:endParaRPr lang="en-US"/>
           </a:p>
@@ -1174,7 +1175,7 @@
           <a:p>
             <a:fld id="{7FE9FAC2-FB10-9742-9894-9A0800F80AB6}" type="datetimeFigureOut">
               <a:rPr lang="en-US" smtClean="0"/>
-              <a:t>9/14/25</a:t>
+              <a:t>9/15/25</a:t>
             </a:fld>
             <a:endParaRPr lang="en-US"/>
           </a:p>
@@ -1382,7 +1383,7 @@
           <a:p>
             <a:fld id="{7FE9FAC2-FB10-9742-9894-9A0800F80AB6}" type="datetimeFigureOut">
               <a:rPr lang="en-US" smtClean="0"/>
-              <a:t>9/14/25</a:t>
+              <a:t>9/15/25</a:t>
             </a:fld>
             <a:endParaRPr lang="en-US"/>
           </a:p>
@@ -1580,7 +1581,7 @@
           <a:p>
             <a:fld id="{7FE9FAC2-FB10-9742-9894-9A0800F80AB6}" type="datetimeFigureOut">
               <a:rPr lang="en-US" smtClean="0"/>
-              <a:t>9/14/25</a:t>
+              <a:t>9/15/25</a:t>
             </a:fld>
             <a:endParaRPr lang="en-US"/>
           </a:p>
@@ -1855,7 +1856,7 @@
           <a:p>
             <a:fld id="{7FE9FAC2-FB10-9742-9894-9A0800F80AB6}" type="datetimeFigureOut">
               <a:rPr lang="en-US" smtClean="0"/>
-              <a:t>9/14/25</a:t>
+              <a:t>9/15/25</a:t>
             </a:fld>
             <a:endParaRPr lang="en-US"/>
           </a:p>
@@ -2120,7 +2121,7 @@
           <a:p>
             <a:fld id="{7FE9FAC2-FB10-9742-9894-9A0800F80AB6}" type="datetimeFigureOut">
               <a:rPr lang="en-US" smtClean="0"/>
-              <a:t>9/14/25</a:t>
+              <a:t>9/15/25</a:t>
             </a:fld>
             <a:endParaRPr lang="en-US"/>
           </a:p>
@@ -2532,7 +2533,7 @@
           <a:p>
             <a:fld id="{7FE9FAC2-FB10-9742-9894-9A0800F80AB6}" type="datetimeFigureOut">
               <a:rPr lang="en-US" smtClean="0"/>
-              <a:t>9/14/25</a:t>
+              <a:t>9/15/25</a:t>
             </a:fld>
             <a:endParaRPr lang="en-US"/>
           </a:p>
@@ -2673,7 +2674,7 @@
           <a:p>
             <a:fld id="{7FE9FAC2-FB10-9742-9894-9A0800F80AB6}" type="datetimeFigureOut">
               <a:rPr lang="en-US" smtClean="0"/>
-              <a:t>9/14/25</a:t>
+              <a:t>9/15/25</a:t>
             </a:fld>
             <a:endParaRPr lang="en-US"/>
           </a:p>
@@ -2786,7 +2787,7 @@
           <a:p>
             <a:fld id="{7FE9FAC2-FB10-9742-9894-9A0800F80AB6}" type="datetimeFigureOut">
               <a:rPr lang="en-US" smtClean="0"/>
-              <a:t>9/14/25</a:t>
+              <a:t>9/15/25</a:t>
             </a:fld>
             <a:endParaRPr lang="en-US"/>
           </a:p>
@@ -3097,7 +3098,7 @@
           <a:p>
             <a:fld id="{7FE9FAC2-FB10-9742-9894-9A0800F80AB6}" type="datetimeFigureOut">
               <a:rPr lang="en-US" smtClean="0"/>
-              <a:t>9/14/25</a:t>
+              <a:t>9/15/25</a:t>
             </a:fld>
             <a:endParaRPr lang="en-US"/>
           </a:p>
@@ -3385,7 +3386,7 @@
           <a:p>
             <a:fld id="{7FE9FAC2-FB10-9742-9894-9A0800F80AB6}" type="datetimeFigureOut">
               <a:rPr lang="en-US" smtClean="0"/>
-              <a:t>9/14/25</a:t>
+              <a:t>9/15/25</a:t>
             </a:fld>
             <a:endParaRPr lang="en-US"/>
           </a:p>
@@ -3626,7 +3627,7 @@
           <a:p>
             <a:fld id="{7FE9FAC2-FB10-9742-9894-9A0800F80AB6}" type="datetimeFigureOut">
               <a:rPr lang="en-US" smtClean="0"/>
-              <a:t>9/14/25</a:t>
+              <a:t>9/15/25</a:t>
             </a:fld>
             <a:endParaRPr lang="en-US"/>
           </a:p>
@@ -4125,6 +4126,390 @@
   <p:cSld>
     <p:spTree>
       <p:nvGrpSpPr>
+        <p:cNvPr id="1" name=""/>
+        <p:cNvGrpSpPr/>
+        <p:nvPr/>
+      </p:nvGrpSpPr>
+      <p:grpSpPr>
+        <a:xfrm>
+          <a:off x="0" y="0"/>
+          <a:ext cx="0" cy="0"/>
+          <a:chOff x="0" y="0"/>
+          <a:chExt cx="0" cy="0"/>
+        </a:xfrm>
+      </p:grpSpPr>
+      <p:sp>
+        <p:nvSpPr>
+          <p:cNvPr id="2" name="Title 1">
+            <a:extLst>
+              <a:ext uri="{FF2B5EF4-FFF2-40B4-BE49-F238E27FC236}">
+                <a16:creationId xmlns:a16="http://schemas.microsoft.com/office/drawing/2014/main" id="{AA8508E0-DA04-86B0-7619-53991A397435}"/>
+              </a:ext>
+            </a:extLst>
+          </p:cNvPr>
+          <p:cNvSpPr>
+            <a:spLocks noGrp="1"/>
+          </p:cNvSpPr>
+          <p:nvPr>
+            <p:ph type="title"/>
+          </p:nvPr>
+        </p:nvSpPr>
+        <p:spPr/>
+        <p:txBody>
+          <a:bodyPr/>
+          <a:lstStyle/>
+          <a:p>
+            <a:r>
+              <a:rPr lang="en-US" dirty="0"/>
+              <a:t>Hypothesis Testing for regressions</a:t>
+            </a:r>
+          </a:p>
+        </p:txBody>
+      </p:sp>
+      <mc:AlternateContent xmlns:mc="http://schemas.openxmlformats.org/markup-compatibility/2006" xmlns:a14="http://schemas.microsoft.com/office/drawing/2010/main">
+        <mc:Choice Requires="a14">
+          <p:sp>
+            <p:nvSpPr>
+              <p:cNvPr id="3" name="Content Placeholder 2">
+                <a:extLst>
+                  <a:ext uri="{FF2B5EF4-FFF2-40B4-BE49-F238E27FC236}">
+                    <a16:creationId xmlns:a16="http://schemas.microsoft.com/office/drawing/2014/main" id="{69CB6BBB-CD21-DEC2-E5A5-64FECD9A86AA}"/>
+                  </a:ext>
+                </a:extLst>
+              </p:cNvPr>
+              <p:cNvSpPr>
+                <a:spLocks noGrp="1"/>
+              </p:cNvSpPr>
+              <p:nvPr>
+                <p:ph idx="1"/>
+              </p:nvPr>
+            </p:nvSpPr>
+            <p:spPr/>
+            <p:txBody>
+              <a:bodyPr>
+                <a:normAutofit/>
+              </a:bodyPr>
+              <a:lstStyle/>
+              <a:p>
+                <a:r>
+                  <a:rPr lang="en-US" b="1" dirty="0"/>
+                  <a:t>What we test</a:t>
+                </a:r>
+                <a:endParaRPr lang="en-US" dirty="0"/>
+              </a:p>
+              <a:p>
+                <a:pPr lvl="1"/>
+                <a14:m>
+                  <m:oMath xmlns:m="http://schemas.openxmlformats.org/officeDocument/2006/math">
+                    <m:sSub>
+                      <m:sSubPr>
+                        <m:ctrlPr>
+                          <a:rPr lang="ar-AE" i="1">
+                            <a:latin typeface="Cambria Math" panose="02040503050406030204" pitchFamily="18" charset="0"/>
+                          </a:rPr>
+                        </m:ctrlPr>
+                      </m:sSubPr>
+                      <m:e>
+                        <m:r>
+                          <a:rPr lang="ar-AE" i="1">
+                            <a:latin typeface="Cambria Math" panose="02040503050406030204" pitchFamily="18" charset="0"/>
+                          </a:rPr>
+                          <m:t>𝐻</m:t>
+                        </m:r>
+                      </m:e>
+                      <m:sub>
+                        <m:r>
+                          <a:rPr lang="ar-AE">
+                            <a:latin typeface="Cambria Math" panose="02040503050406030204" pitchFamily="18" charset="0"/>
+                          </a:rPr>
+                          <m:t>0</m:t>
+                        </m:r>
+                      </m:sub>
+                    </m:sSub>
+                  </m:oMath>
+                </a14:m>
+                <a:r>
+                  <a:rPr lang="ar-AE" dirty="0"/>
+                  <a:t>: </a:t>
+                </a:r>
+                <a:r>
+                  <a:rPr lang="en-US" dirty="0"/>
+                  <a:t>No effect (</a:t>
+                </a:r>
+                <a14:m>
+                  <m:oMath xmlns:m="http://schemas.openxmlformats.org/officeDocument/2006/math">
+                    <m:r>
+                      <a:rPr lang="en-US" i="1">
+                        <a:latin typeface="Cambria Math" panose="02040503050406030204" pitchFamily="18" charset="0"/>
+                      </a:rPr>
+                      <m:t>𝛽</m:t>
+                    </m:r>
+                    <m:r>
+                      <a:rPr lang="en-US">
+                        <a:latin typeface="Cambria Math" panose="02040503050406030204" pitchFamily="18" charset="0"/>
+                      </a:rPr>
+                      <m:t>=0</m:t>
+                    </m:r>
+                  </m:oMath>
+                </a14:m>
+                <a:r>
+                  <a:rPr lang="en-US" dirty="0"/>
+                  <a:t>)</a:t>
+                </a:r>
+              </a:p>
+              <a:p>
+                <a:pPr lvl="1"/>
+                <a14:m>
+                  <m:oMath xmlns:m="http://schemas.openxmlformats.org/officeDocument/2006/math">
+                    <m:sSub>
+                      <m:sSubPr>
+                        <m:ctrlPr>
+                          <a:rPr lang="ar-AE" i="1">
+                            <a:latin typeface="Cambria Math" panose="02040503050406030204" pitchFamily="18" charset="0"/>
+                          </a:rPr>
+                        </m:ctrlPr>
+                      </m:sSubPr>
+                      <m:e>
+                        <m:r>
+                          <a:rPr lang="ar-AE" i="1">
+                            <a:latin typeface="Cambria Math" panose="02040503050406030204" pitchFamily="18" charset="0"/>
+                          </a:rPr>
+                          <m:t>𝐻</m:t>
+                        </m:r>
+                      </m:e>
+                      <m:sub>
+                        <m:r>
+                          <a:rPr lang="ar-AE">
+                            <a:latin typeface="Cambria Math" panose="02040503050406030204" pitchFamily="18" charset="0"/>
+                          </a:rPr>
+                          <m:t>1</m:t>
+                        </m:r>
+                      </m:sub>
+                    </m:sSub>
+                  </m:oMath>
+                </a14:m>
+                <a:r>
+                  <a:rPr lang="ar-AE" dirty="0"/>
+                  <a:t>: </a:t>
+                </a:r>
+                <a:r>
+                  <a:rPr lang="en-US" dirty="0"/>
+                  <a:t>There is an effect (</a:t>
+                </a:r>
+                <a14:m>
+                  <m:oMath xmlns:m="http://schemas.openxmlformats.org/officeDocument/2006/math">
+                    <m:r>
+                      <a:rPr lang="en-US" i="1">
+                        <a:latin typeface="Cambria Math" panose="02040503050406030204" pitchFamily="18" charset="0"/>
+                      </a:rPr>
+                      <m:t>𝛽</m:t>
+                    </m:r>
+                    <m:r>
+                      <a:rPr lang="en-US">
+                        <a:latin typeface="Cambria Math" panose="02040503050406030204" pitchFamily="18" charset="0"/>
+                      </a:rPr>
+                      <m:t>≠0</m:t>
+                    </m:r>
+                  </m:oMath>
+                </a14:m>
+                <a:r>
+                  <a:rPr lang="en-US" dirty="0"/>
+                  <a:t>)</a:t>
+                </a:r>
+              </a:p>
+              <a:p>
+                <a:r>
+                  <a:rPr lang="en-US" b="1" dirty="0"/>
+                  <a:t>How we test</a:t>
+                </a:r>
+                <a:endParaRPr lang="ar-AE" dirty="0"/>
+              </a:p>
+              <a:p>
+                <a:pPr lvl="1"/>
+                <a:r>
+                  <a:rPr lang="en-US" dirty="0"/>
+                  <a:t>Compute the p-value</a:t>
+                </a:r>
+              </a:p>
+              <a:p>
+                <a:r>
+                  <a:rPr lang="en-US" b="1" dirty="0"/>
+                  <a:t>Decision rule</a:t>
+                </a:r>
+                <a:endParaRPr lang="en-US" dirty="0"/>
+              </a:p>
+              <a:p>
+                <a:pPr lvl="1"/>
+                <a:r>
+                  <a:rPr lang="en-US" dirty="0"/>
+                  <a:t>If </a:t>
+                </a:r>
+                <a:r>
+                  <a:rPr lang="en-US" b="1" dirty="0"/>
+                  <a:t>p-value &lt; 0.05</a:t>
+                </a:r>
+                <a:r>
+                  <a:rPr lang="en-US" dirty="0"/>
+                  <a:t> → reject </a:t>
+                </a:r>
+                <a14:m>
+                  <m:oMath xmlns:m="http://schemas.openxmlformats.org/officeDocument/2006/math">
+                    <m:sSub>
+                      <m:sSubPr>
+                        <m:ctrlPr>
+                          <a:rPr lang="ar-AE" i="1">
+                            <a:latin typeface="Cambria Math" panose="02040503050406030204" pitchFamily="18" charset="0"/>
+                          </a:rPr>
+                        </m:ctrlPr>
+                      </m:sSubPr>
+                      <m:e>
+                        <m:r>
+                          <a:rPr lang="ar-AE" i="1">
+                            <a:latin typeface="Cambria Math" panose="02040503050406030204" pitchFamily="18" charset="0"/>
+                          </a:rPr>
+                          <m:t>𝐻</m:t>
+                        </m:r>
+                      </m:e>
+                      <m:sub>
+                        <m:r>
+                          <a:rPr lang="ar-AE">
+                            <a:latin typeface="Cambria Math" panose="02040503050406030204" pitchFamily="18" charset="0"/>
+                          </a:rPr>
+                          <m:t>0</m:t>
+                        </m:r>
+                      </m:sub>
+                    </m:sSub>
+                    <m:r>
+                      <a:rPr lang="en-US" b="0" i="0" smtClean="0">
+                        <a:latin typeface="Cambria Math" panose="02040503050406030204" pitchFamily="18" charset="0"/>
+                      </a:rPr>
+                      <m:t> (</m:t>
+                    </m:r>
+                  </m:oMath>
+                </a14:m>
+                <a:r>
+                  <a:rPr lang="en-US" dirty="0"/>
+                  <a:t>evidence of effect)</a:t>
+                </a:r>
+              </a:p>
+              <a:p>
+                <a:pPr lvl="1"/>
+                <a:r>
+                  <a:rPr lang="en-US" dirty="0"/>
+                  <a:t>If </a:t>
+                </a:r>
+                <a:r>
+                  <a:rPr lang="en-US" b="1" dirty="0"/>
+                  <a:t>p-value ≥ 0.05</a:t>
+                </a:r>
+                <a:r>
+                  <a:rPr lang="en-US" dirty="0"/>
+                  <a:t> → fail to reject </a:t>
+                </a:r>
+                <a14:m>
+                  <m:oMath xmlns:m="http://schemas.openxmlformats.org/officeDocument/2006/math">
+                    <m:sSub>
+                      <m:sSubPr>
+                        <m:ctrlPr>
+                          <a:rPr lang="ar-AE" i="1">
+                            <a:latin typeface="Cambria Math" panose="02040503050406030204" pitchFamily="18" charset="0"/>
+                          </a:rPr>
+                        </m:ctrlPr>
+                      </m:sSubPr>
+                      <m:e>
+                        <m:r>
+                          <a:rPr lang="ar-AE" i="1">
+                            <a:latin typeface="Cambria Math" panose="02040503050406030204" pitchFamily="18" charset="0"/>
+                          </a:rPr>
+                          <m:t>𝐻</m:t>
+                        </m:r>
+                      </m:e>
+                      <m:sub>
+                        <m:r>
+                          <a:rPr lang="ar-AE">
+                            <a:latin typeface="Cambria Math" panose="02040503050406030204" pitchFamily="18" charset="0"/>
+                          </a:rPr>
+                          <m:t>0</m:t>
+                        </m:r>
+                      </m:sub>
+                    </m:sSub>
+                    <m:r>
+                      <a:rPr lang="en-US" b="0" i="0" smtClean="0">
+                        <a:latin typeface="Cambria Math" panose="02040503050406030204" pitchFamily="18" charset="0"/>
+                      </a:rPr>
+                      <m:t> (</m:t>
+                    </m:r>
+                  </m:oMath>
+                </a14:m>
+                <a:r>
+                  <a:rPr lang="en-US" dirty="0"/>
+                  <a:t>no strong evidence)</a:t>
+                </a:r>
+              </a:p>
+              <a:p>
+                <a:endParaRPr lang="en-US" dirty="0"/>
+              </a:p>
+            </p:txBody>
+          </p:sp>
+        </mc:Choice>
+        <mc:Fallback xmlns="">
+          <p:sp>
+            <p:nvSpPr>
+              <p:cNvPr id="3" name="Content Placeholder 2">
+                <a:extLst>
+                  <a:ext uri="{FF2B5EF4-FFF2-40B4-BE49-F238E27FC236}">
+                    <a16:creationId xmlns:a16="http://schemas.microsoft.com/office/drawing/2014/main" id="{69CB6BBB-CD21-DEC2-E5A5-64FECD9A86AA}"/>
+                  </a:ext>
+                </a:extLst>
+              </p:cNvPr>
+              <p:cNvSpPr>
+                <a:spLocks noGrp="1" noRot="1" noChangeAspect="1" noMove="1" noResize="1" noEditPoints="1" noAdjustHandles="1" noChangeArrowheads="1" noChangeShapeType="1" noTextEdit="1"/>
+              </p:cNvSpPr>
+              <p:nvPr>
+                <p:ph idx="1"/>
+              </p:nvPr>
+            </p:nvSpPr>
+            <p:spPr>
+              <a:blipFill>
+                <a:blip r:embed="rId2"/>
+                <a:stretch>
+                  <a:fillRect l="-1086" t="-2326"/>
+                </a:stretch>
+              </a:blipFill>
+            </p:spPr>
+            <p:txBody>
+              <a:bodyPr/>
+              <a:lstStyle/>
+              <a:p>
+                <a:r>
+                  <a:rPr lang="en-US">
+                    <a:noFill/>
+                  </a:rPr>
+                  <a:t> </a:t>
+                </a:r>
+              </a:p>
+            </p:txBody>
+          </p:sp>
+        </mc:Fallback>
+      </mc:AlternateContent>
+    </p:spTree>
+    <p:extLst>
+      <p:ext uri="{BB962C8B-B14F-4D97-AF65-F5344CB8AC3E}">
+        <p14:creationId xmlns:p14="http://schemas.microsoft.com/office/powerpoint/2010/main" val="1973192649"/>
+      </p:ext>
+    </p:extLst>
+  </p:cSld>
+  <p:clrMapOvr>
+    <a:masterClrMapping/>
+  </p:clrMapOvr>
+</p:sld>
+</file>
+
+<file path=ppt/slides/slide11.xml><?xml version="1.0" encoding="utf-8"?>
+<p:sld xmlns:a="http://schemas.openxmlformats.org/drawingml/2006/main" xmlns:r="http://schemas.openxmlformats.org/officeDocument/2006/relationships" xmlns:p="http://schemas.openxmlformats.org/presentationml/2006/main">
+  <p:cSld>
+    <p:spTree>
+      <p:nvGrpSpPr>
         <p:cNvPr id="1" name="">
           <a:extLst>
             <a:ext uri="{FF2B5EF4-FFF2-40B4-BE49-F238E27FC236}">
@@ -4482,7 +4867,7 @@
 </p:sld>
 </file>
 
-<file path=ppt/slides/slide11.xml><?xml version="1.0" encoding="utf-8"?>
+<file path=ppt/slides/slide12.xml><?xml version="1.0" encoding="utf-8"?>
 <p:sld xmlns:a="http://schemas.openxmlformats.org/drawingml/2006/main" xmlns:r="http://schemas.openxmlformats.org/officeDocument/2006/relationships" xmlns:p="http://schemas.openxmlformats.org/presentationml/2006/main">
   <p:cSld>
     <p:spTree>
@@ -4529,8 +4914,8 @@
           </a:p>
         </p:txBody>
       </p:sp>
-      <mc:AlternateContent xmlns:mc="http://schemas.openxmlformats.org/markup-compatibility/2006">
-        <mc:Choice xmlns:a14="http://schemas.microsoft.com/office/drawing/2010/main" Requires="a14">
+      <mc:AlternateContent xmlns:mc="http://schemas.openxmlformats.org/markup-compatibility/2006" xmlns:a14="http://schemas.microsoft.com/office/drawing/2010/main">
+        <mc:Choice Requires="a14">
           <p:sp>
             <p:nvSpPr>
               <p:cNvPr id="3" name="Content Placeholder 2">
@@ -4609,37 +4994,49 @@
                     <m:sSub>
                       <m:sSubPr>
                         <m:ctrlPr>
-                          <a:rPr lang="ar-AE"/>
+                          <a:rPr lang="ar-AE" i="1">
+                            <a:latin typeface="Cambria Math" panose="02040503050406030204" pitchFamily="18" charset="0"/>
+                          </a:rPr>
                         </m:ctrlPr>
                       </m:sSubPr>
                       <m:e>
                         <m:r>
-                          <a:rPr lang="ar-AE" i="1"/>
+                          <a:rPr lang="ar-AE" i="1">
+                            <a:latin typeface="Cambria Math" panose="02040503050406030204" pitchFamily="18" charset="0"/>
+                          </a:rPr>
                           <m:t>𝑡</m:t>
                         </m:r>
                       </m:e>
                       <m:sub>
                         <m:r>
-                          <a:rPr lang="ar-AE" i="1"/>
+                          <a:rPr lang="ar-AE" i="1">
+                            <a:latin typeface="Cambria Math" panose="02040503050406030204" pitchFamily="18" charset="0"/>
+                          </a:rPr>
                           <m:t>𝑖</m:t>
                         </m:r>
                       </m:sub>
                     </m:sSub>
                     <m:r>
-                      <a:rPr lang="ar-AE"/>
+                      <a:rPr lang="ar-AE">
+                        <a:latin typeface="Cambria Math" panose="02040503050406030204" pitchFamily="18" charset="0"/>
+                      </a:rPr>
                       <m:t>=</m:t>
                     </m:r>
                     <m:f>
                       <m:fPr>
                         <m:ctrlPr>
-                          <a:rPr lang="ar-AE" i="1"/>
+                          <a:rPr lang="ar-AE" i="1">
+                            <a:latin typeface="Cambria Math" panose="02040503050406030204" pitchFamily="18" charset="0"/>
+                          </a:rPr>
                         </m:ctrlPr>
                       </m:fPr>
                       <m:num>
                         <m:sSub>
                           <m:sSubPr>
                             <m:ctrlPr>
-                              <a:rPr lang="ar-AE" i="1"/>
+                              <a:rPr lang="ar-AE" i="1">
+                                <a:latin typeface="Cambria Math" panose="02040503050406030204" pitchFamily="18" charset="0"/>
+                              </a:rPr>
                             </m:ctrlPr>
                           </m:sSubPr>
                           <m:e>
@@ -4647,12 +5044,16 @@
                               <m:accPr>
                                 <m:chr m:val="̂"/>
                                 <m:ctrlPr>
-                                  <a:rPr lang="ar-AE" i="1"/>
+                                  <a:rPr lang="ar-AE" i="1">
+                                    <a:latin typeface="Cambria Math" panose="02040503050406030204" pitchFamily="18" charset="0"/>
+                                  </a:rPr>
                                 </m:ctrlPr>
                               </m:accPr>
                               <m:e>
                                 <m:r>
-                                  <a:rPr lang="ar-AE" i="1"/>
+                                  <a:rPr lang="ar-AE" i="1">
+                                    <a:latin typeface="Cambria Math" panose="02040503050406030204" pitchFamily="18" charset="0"/>
+                                  </a:rPr>
                                   <m:t>𝛽</m:t>
                                 </m:r>
                               </m:e>
@@ -4660,7 +5061,9 @@
                           </m:e>
                           <m:sub>
                             <m:r>
-                              <a:rPr lang="ar-AE" i="1"/>
+                              <a:rPr lang="ar-AE" i="1">
+                                <a:latin typeface="Cambria Math" panose="02040503050406030204" pitchFamily="18" charset="0"/>
+                              </a:rPr>
                               <m:t>𝑖</m:t>
                             </m:r>
                           </m:sub>
@@ -4668,20 +5071,26 @@
                       </m:num>
                       <m:den>
                         <m:r>
-                          <a:rPr lang="ar-AE" i="1"/>
+                          <a:rPr lang="ar-AE" i="1">
+                            <a:latin typeface="Cambria Math" panose="02040503050406030204" pitchFamily="18" charset="0"/>
+                          </a:rPr>
                           <m:t>𝑆𝐸</m:t>
                         </m:r>
                         <m:d>
                           <m:dPr>
                             <m:ctrlPr>
-                              <a:rPr lang="ar-AE" i="1"/>
+                              <a:rPr lang="ar-AE" i="1">
+                                <a:latin typeface="Cambria Math" panose="02040503050406030204" pitchFamily="18" charset="0"/>
+                              </a:rPr>
                             </m:ctrlPr>
                           </m:dPr>
                           <m:e>
                             <m:sSub>
                               <m:sSubPr>
                                 <m:ctrlPr>
-                                  <a:rPr lang="ar-AE" i="1"/>
+                                  <a:rPr lang="ar-AE" i="1">
+                                    <a:latin typeface="Cambria Math" panose="02040503050406030204" pitchFamily="18" charset="0"/>
+                                  </a:rPr>
                                 </m:ctrlPr>
                               </m:sSubPr>
                               <m:e>
@@ -4689,12 +5098,16 @@
                                   <m:accPr>
                                     <m:chr m:val="̂"/>
                                     <m:ctrlPr>
-                                      <a:rPr lang="ar-AE" i="1"/>
+                                      <a:rPr lang="ar-AE" i="1">
+                                        <a:latin typeface="Cambria Math" panose="02040503050406030204" pitchFamily="18" charset="0"/>
+                                      </a:rPr>
                                     </m:ctrlPr>
                                   </m:accPr>
                                   <m:e>
                                     <m:r>
-                                      <a:rPr lang="ar-AE" i="1"/>
+                                      <a:rPr lang="ar-AE" i="1">
+                                        <a:latin typeface="Cambria Math" panose="02040503050406030204" pitchFamily="18" charset="0"/>
+                                      </a:rPr>
                                       <m:t>𝛽</m:t>
                                     </m:r>
                                   </m:e>
@@ -4702,7 +5115,9 @@
                               </m:e>
                               <m:sub>
                                 <m:r>
-                                  <a:rPr lang="ar-AE" i="1"/>
+                                  <a:rPr lang="ar-AE" i="1">
+                                    <a:latin typeface="Cambria Math" panose="02040503050406030204" pitchFamily="18" charset="0"/>
+                                  </a:rPr>
                                   <m:t>𝑖</m:t>
                                 </m:r>
                               </m:sub>
@@ -4738,7 +5153,9 @@
                 <a14:m>
                   <m:oMath xmlns:m="http://schemas.openxmlformats.org/officeDocument/2006/math">
                     <m:r>
-                      <a:rPr lang="en-US" i="1"/>
+                      <a:rPr lang="en-US" i="1">
+                        <a:latin typeface="Cambria Math" panose="02040503050406030204" pitchFamily="18" charset="0"/>
+                      </a:rPr>
                       <m:t>𝑡</m:t>
                     </m:r>
                   </m:oMath>
@@ -4761,7 +5178,7 @@
             </p:txBody>
           </p:sp>
         </mc:Choice>
-        <mc:Fallback>
+        <mc:Fallback xmlns="">
           <p:sp>
             <p:nvSpPr>
               <p:cNvPr id="3" name="Content Placeholder 2">
@@ -4814,7 +5231,7 @@
 </p:sld>
 </file>
 
-<file path=ppt/slides/slide12.xml><?xml version="1.0" encoding="utf-8"?>
+<file path=ppt/slides/slide13.xml><?xml version="1.0" encoding="utf-8"?>
 <p:sld xmlns:a="http://schemas.openxmlformats.org/drawingml/2006/main" xmlns:r="http://schemas.openxmlformats.org/officeDocument/2006/relationships" xmlns:p="http://schemas.openxmlformats.org/presentationml/2006/main">
   <p:cSld>
     <p:spTree>
@@ -5036,7 +5453,7 @@
 </p:sld>
 </file>
 
-<file path=ppt/slides/slide13.xml><?xml version="1.0" encoding="utf-8"?>
+<file path=ppt/slides/slide14.xml><?xml version="1.0" encoding="utf-8"?>
 <p:sld xmlns:a="http://schemas.openxmlformats.org/drawingml/2006/main" xmlns:r="http://schemas.openxmlformats.org/officeDocument/2006/relationships" xmlns:p="http://schemas.openxmlformats.org/presentationml/2006/main">
   <p:cSld>
     <p:spTree>
@@ -5422,7 +5839,7 @@
 </p:sld>
 </file>
 
-<file path=ppt/slides/slide14.xml><?xml version="1.0" encoding="utf-8"?>
+<file path=ppt/slides/slide15.xml><?xml version="1.0" encoding="utf-8"?>
 <p:sld xmlns:a="http://schemas.openxmlformats.org/drawingml/2006/main" xmlns:r="http://schemas.openxmlformats.org/officeDocument/2006/relationships" xmlns:p="http://schemas.openxmlformats.org/presentationml/2006/main">
   <p:cSld>
     <p:spTree>
@@ -5616,8 +6033,8 @@
           </a:prstGeom>
         </p:spPr>
       </p:pic>
-      <mc:AlternateContent xmlns:mc="http://schemas.openxmlformats.org/markup-compatibility/2006">
-        <mc:Choice xmlns:a14="http://schemas.microsoft.com/office/drawing/2010/main" Requires="a14">
+      <mc:AlternateContent xmlns:mc="http://schemas.openxmlformats.org/markup-compatibility/2006" xmlns:a14="http://schemas.microsoft.com/office/drawing/2010/main">
+        <mc:Choice Requires="a14">
           <p:sp>
             <p:nvSpPr>
               <p:cNvPr id="15" name="TextBox 14">
@@ -5665,7 +6082,7 @@
             </p:txBody>
           </p:sp>
         </mc:Choice>
-        <mc:Fallback>
+        <mc:Fallback xmlns="">
           <p:sp>
             <p:nvSpPr>
               <p:cNvPr id="15" name="TextBox 14">
@@ -5863,154 +6280,6 @@
 </p:sld>
 </file>
 
-<file path=ppt/slides/slide15.xml><?xml version="1.0" encoding="utf-8"?>
-<p:sld xmlns:a="http://schemas.openxmlformats.org/drawingml/2006/main" xmlns:r="http://schemas.openxmlformats.org/officeDocument/2006/relationships" xmlns:p="http://schemas.openxmlformats.org/presentationml/2006/main">
-  <p:cSld>
-    <p:spTree>
-      <p:nvGrpSpPr>
-        <p:cNvPr id="1" name=""/>
-        <p:cNvGrpSpPr/>
-        <p:nvPr/>
-      </p:nvGrpSpPr>
-      <p:grpSpPr>
-        <a:xfrm>
-          <a:off x="0" y="0"/>
-          <a:ext cx="0" cy="0"/>
-          <a:chOff x="0" y="0"/>
-          <a:chExt cx="0" cy="0"/>
-        </a:xfrm>
-      </p:grpSpPr>
-      <p:sp>
-        <p:nvSpPr>
-          <p:cNvPr id="2" name="Title 1">
-            <a:extLst>
-              <a:ext uri="{FF2B5EF4-FFF2-40B4-BE49-F238E27FC236}">
-                <a16:creationId xmlns:a16="http://schemas.microsoft.com/office/drawing/2014/main" id="{BF5DBA23-4884-1F94-0679-344299A3FF73}"/>
-              </a:ext>
-            </a:extLst>
-          </p:cNvPr>
-          <p:cNvSpPr>
-            <a:spLocks noGrp="1"/>
-          </p:cNvSpPr>
-          <p:nvPr>
-            <p:ph type="title"/>
-          </p:nvPr>
-        </p:nvSpPr>
-        <p:spPr/>
-        <p:txBody>
-          <a:bodyPr/>
-          <a:lstStyle/>
-          <a:p>
-            <a:r>
-              <a:rPr lang="en-US" dirty="0"/>
-              <a:t>Why log numeric variables?</a:t>
-            </a:r>
-          </a:p>
-        </p:txBody>
-      </p:sp>
-      <p:sp>
-        <p:nvSpPr>
-          <p:cNvPr id="3" name="Content Placeholder 2">
-            <a:extLst>
-              <a:ext uri="{FF2B5EF4-FFF2-40B4-BE49-F238E27FC236}">
-                <a16:creationId xmlns:a16="http://schemas.microsoft.com/office/drawing/2014/main" id="{302A558E-62FD-1CD3-5DA3-A00B8B01A243}"/>
-              </a:ext>
-            </a:extLst>
-          </p:cNvPr>
-          <p:cNvSpPr>
-            <a:spLocks noGrp="1"/>
-          </p:cNvSpPr>
-          <p:nvPr>
-            <p:ph idx="1"/>
-          </p:nvPr>
-        </p:nvSpPr>
-        <p:spPr/>
-        <p:txBody>
-          <a:bodyPr/>
-          <a:lstStyle/>
-          <a:p>
-            <a:r>
-              <a:rPr lang="en-US" b="1" dirty="0"/>
-              <a:t>Linearizes Nonlinear Relationships</a:t>
-            </a:r>
-          </a:p>
-          <a:p>
-            <a:pPr lvl="1"/>
-            <a:r>
-              <a:rPr lang="en-US" dirty="0"/>
-              <a:t>Many relationships in economics and social science are </a:t>
-            </a:r>
-            <a:r>
-              <a:rPr lang="en-US" b="1" dirty="0"/>
-              <a:t>multiplicative or curved</a:t>
-            </a:r>
-            <a:r>
-              <a:rPr lang="en-US" dirty="0"/>
-              <a:t>, not straight lines.</a:t>
-            </a:r>
-          </a:p>
-          <a:p>
-            <a:pPr lvl="1"/>
-            <a:r>
-              <a:rPr lang="en-US" dirty="0"/>
-              <a:t>Example: A $1 increase in price affects demand </a:t>
-            </a:r>
-            <a:r>
-              <a:rPr lang="en-US" b="1" dirty="0"/>
-              <a:t>very differently</a:t>
-            </a:r>
-            <a:r>
-              <a:rPr lang="en-US" dirty="0"/>
-              <a:t> when price goes from:</a:t>
-            </a:r>
-          </a:p>
-          <a:p>
-            <a:pPr lvl="2"/>
-            <a:r>
-              <a:rPr lang="en-US" dirty="0"/>
-              <a:t>$5 → $6 vs.</a:t>
-            </a:r>
-          </a:p>
-          <a:p>
-            <a:pPr lvl="2"/>
-            <a:r>
-              <a:rPr lang="en-US" dirty="0"/>
-              <a:t>$100 → $101</a:t>
-            </a:r>
-          </a:p>
-          <a:p>
-            <a:pPr lvl="1"/>
-            <a:r>
-              <a:rPr lang="en-US" dirty="0"/>
-              <a:t>Taking the log of, say price, </a:t>
-            </a:r>
-            <a:r>
-              <a:rPr lang="en-US" b="1" dirty="0"/>
-              <a:t>linearizes</a:t>
-            </a:r>
-            <a:r>
-              <a:rPr lang="en-US" dirty="0"/>
-              <a:t> this relationship, making it easier for a linear model to fit.</a:t>
-            </a:r>
-          </a:p>
-          <a:p>
-            <a:endParaRPr lang="en-US" dirty="0"/>
-          </a:p>
-        </p:txBody>
-      </p:sp>
-    </p:spTree>
-    <p:extLst>
-      <p:ext uri="{BB962C8B-B14F-4D97-AF65-F5344CB8AC3E}">
-        <p14:creationId xmlns:p14="http://schemas.microsoft.com/office/powerpoint/2010/main" val="4145137693"/>
-      </p:ext>
-    </p:extLst>
-  </p:cSld>
-  <p:clrMapOvr>
-    <a:masterClrMapping/>
-  </p:clrMapOvr>
-</p:sld>
-</file>
-
 <file path=ppt/slides/slide16.xml><?xml version="1.0" encoding="utf-8"?>
 <p:sld xmlns:a="http://schemas.openxmlformats.org/drawingml/2006/main" xmlns:r="http://schemas.openxmlformats.org/officeDocument/2006/relationships" xmlns:p="http://schemas.openxmlformats.org/presentationml/2006/main">
   <p:cSld>
@@ -6033,7 +6302,7 @@
           <p:cNvPr id="2" name="Title 1">
             <a:extLst>
               <a:ext uri="{FF2B5EF4-FFF2-40B4-BE49-F238E27FC236}">
-                <a16:creationId xmlns:a16="http://schemas.microsoft.com/office/drawing/2014/main" id="{2D7FB995-2D09-00F6-A82D-50D4560B8F10}"/>
+                <a16:creationId xmlns:a16="http://schemas.microsoft.com/office/drawing/2014/main" id="{BF5DBA23-4884-1F94-0679-344299A3FF73}"/>
               </a:ext>
             </a:extLst>
           </p:cNvPr>
@@ -6061,7 +6330,7 @@
           <p:cNvPr id="3" name="Content Placeholder 2">
             <a:extLst>
               <a:ext uri="{FF2B5EF4-FFF2-40B4-BE49-F238E27FC236}">
-                <a16:creationId xmlns:a16="http://schemas.microsoft.com/office/drawing/2014/main" id="{45D247A0-01CB-04ED-9640-BEA6BAA31FF6}"/>
+                <a16:creationId xmlns:a16="http://schemas.microsoft.com/office/drawing/2014/main" id="{302A558E-62FD-1CD3-5DA3-A00B8B01A243}"/>
               </a:ext>
             </a:extLst>
           </p:cNvPr>
@@ -6077,63 +6346,68 @@
           <a:bodyPr/>
           <a:lstStyle/>
           <a:p>
-            <a:pPr marL="0" indent="0">
-              <a:buNone/>
-            </a:pPr>
             <a:r>
               <a:rPr lang="en-US" b="1" dirty="0"/>
-              <a:t>Reduces Skewness</a:t>
+              <a:t>Linearizes Nonlinear Relationships</a:t>
             </a:r>
           </a:p>
           <a:p>
             <a:pPr lvl="1"/>
             <a:r>
               <a:rPr lang="en-US" dirty="0"/>
-              <a:t>Variables like price and income variables are often </a:t>
+              <a:t>Many relationships in economics and social science are </a:t>
             </a:r>
             <a:r>
               <a:rPr lang="en-US" b="1" dirty="0"/>
-              <a:t>right-skewed</a:t>
+              <a:t>multiplicative or curved</a:t>
             </a:r>
             <a:r>
               <a:rPr lang="en-US" dirty="0"/>
-              <a:t> (many small values, few large ones).</a:t>
+              <a:t>, not straight lines.</a:t>
             </a:r>
           </a:p>
           <a:p>
             <a:pPr lvl="1"/>
             <a:r>
               <a:rPr lang="en-US" dirty="0"/>
-              <a:t>Taking the log:	</a:t>
+              <a:t>Example: A $1 increase in price affects demand </a:t>
+            </a:r>
+            <a:r>
+              <a:rPr lang="en-US" b="1" dirty="0"/>
+              <a:t>very differently</a:t>
+            </a:r>
+            <a:r>
+              <a:rPr lang="en-US" dirty="0"/>
+              <a:t> when price goes from:</a:t>
             </a:r>
           </a:p>
           <a:p>
             <a:pPr lvl="2"/>
             <a:r>
               <a:rPr lang="en-US" dirty="0"/>
-              <a:t>Compresses large values</a:t>
+              <a:t>$5 → $6 vs.</a:t>
             </a:r>
           </a:p>
           <a:p>
             <a:pPr lvl="2"/>
             <a:r>
               <a:rPr lang="en-US" dirty="0"/>
-              <a:t>Expands small differences among low values → Makes the distribution more symmetric and closer to normal</a:t>
+              <a:t>$100 → $101</a:t>
             </a:r>
           </a:p>
           <a:p>
             <a:pPr lvl="1"/>
             <a:r>
               <a:rPr lang="en-US" dirty="0"/>
-              <a:t>This can improve model performance and </a:t>
+              <a:t>Taking the log of, say price, </a:t>
             </a:r>
             <a:r>
               <a:rPr lang="en-US" b="1" dirty="0"/>
-              <a:t>make OLS assumptions (like normality of errors)</a:t>
+              <a:t>linearizes</a:t>
             </a:r>
             <a:r>
               <a:rPr lang="en-US" dirty="0"/>
-              <a:t> more realistic.</a:t>
+              <a:t> this relationship, making it easier for a linear model to fit.</a:t>
             </a:r>
           </a:p>
           <a:p>
@@ -6144,7 +6418,7 @@
     </p:spTree>
     <p:extLst>
       <p:ext uri="{BB962C8B-B14F-4D97-AF65-F5344CB8AC3E}">
-        <p14:creationId xmlns:p14="http://schemas.microsoft.com/office/powerpoint/2010/main" val="3720864056"/>
+        <p14:creationId xmlns:p14="http://schemas.microsoft.com/office/powerpoint/2010/main" val="4145137693"/>
       </p:ext>
     </p:extLst>
   </p:cSld>
@@ -6176,7 +6450,7 @@
           <p:cNvPr id="2" name="Title 1">
             <a:extLst>
               <a:ext uri="{FF2B5EF4-FFF2-40B4-BE49-F238E27FC236}">
-                <a16:creationId xmlns:a16="http://schemas.microsoft.com/office/drawing/2014/main" id="{012D4057-22E8-7A3C-2489-DA0D99B192E7}"/>
+                <a16:creationId xmlns:a16="http://schemas.microsoft.com/office/drawing/2014/main" id="{2D7FB995-2D09-00F6-A82D-50D4560B8F10}"/>
               </a:ext>
             </a:extLst>
           </p:cNvPr>
@@ -6204,7 +6478,7 @@
           <p:cNvPr id="3" name="Content Placeholder 2">
             <a:extLst>
               <a:ext uri="{FF2B5EF4-FFF2-40B4-BE49-F238E27FC236}">
-                <a16:creationId xmlns:a16="http://schemas.microsoft.com/office/drawing/2014/main" id="{5B8DEA90-6C63-CF7D-DED4-CD11674CBD48}"/>
+                <a16:creationId xmlns:a16="http://schemas.microsoft.com/office/drawing/2014/main" id="{45D247A0-01CB-04ED-9640-BEA6BAA31FF6}"/>
               </a:ext>
             </a:extLst>
           </p:cNvPr>
@@ -6225,43 +6499,58 @@
             </a:pPr>
             <a:r>
               <a:rPr lang="en-US" b="1" dirty="0"/>
-              <a:t>Reduces the influence of outliers</a:t>
+              <a:t>Reduces Skewness</a:t>
             </a:r>
           </a:p>
           <a:p>
             <a:pPr lvl="1"/>
             <a:r>
               <a:rPr lang="en-US" dirty="0"/>
-              <a:t>Large numeric variables can </a:t>
+              <a:t>Variables like price and income variables are often </a:t>
             </a:r>
             <a:r>
               <a:rPr lang="en-US" b="1" dirty="0"/>
-              <a:t>dominate the regression</a:t>
+              <a:t>right-skewed</a:t>
             </a:r>
             <a:r>
               <a:rPr lang="en-US" dirty="0"/>
-              <a:t>, especially if they contain outliers.</a:t>
+              <a:t> (many small values, few large ones).</a:t>
             </a:r>
           </a:p>
           <a:p>
             <a:pPr lvl="1"/>
             <a:r>
               <a:rPr lang="en-US" dirty="0"/>
-              <a:t>Logging reduces their influence, which can help with:</a:t>
+              <a:t>Taking the log:	</a:t>
             </a:r>
           </a:p>
           <a:p>
             <a:pPr lvl="2"/>
             <a:r>
               <a:rPr lang="en-US" dirty="0"/>
-              <a:t>Numerical stability</a:t>
+              <a:t>Compresses large values</a:t>
             </a:r>
           </a:p>
           <a:p>
             <a:pPr lvl="2"/>
             <a:r>
               <a:rPr lang="en-US" dirty="0"/>
-              <a:t>More robust coefficient estimates</a:t>
+              <a:t>Expands small differences among low values → Makes the distribution more symmetric and closer to normal</a:t>
+            </a:r>
+          </a:p>
+          <a:p>
+            <a:pPr lvl="1"/>
+            <a:r>
+              <a:rPr lang="en-US" dirty="0"/>
+              <a:t>This can improve model performance and </a:t>
+            </a:r>
+            <a:r>
+              <a:rPr lang="en-US" b="1" dirty="0"/>
+              <a:t>make OLS assumptions (like normality of errors)</a:t>
+            </a:r>
+            <a:r>
+              <a:rPr lang="en-US" dirty="0"/>
+              <a:t> more realistic.</a:t>
             </a:r>
           </a:p>
           <a:p>
@@ -6272,7 +6561,7 @@
     </p:spTree>
     <p:extLst>
       <p:ext uri="{BB962C8B-B14F-4D97-AF65-F5344CB8AC3E}">
-        <p14:creationId xmlns:p14="http://schemas.microsoft.com/office/powerpoint/2010/main" val="1496914379"/>
+        <p14:creationId xmlns:p14="http://schemas.microsoft.com/office/powerpoint/2010/main" val="3720864056"/>
       </p:ext>
     </p:extLst>
   </p:cSld>
@@ -6304,6 +6593,134 @@
           <p:cNvPr id="2" name="Title 1">
             <a:extLst>
               <a:ext uri="{FF2B5EF4-FFF2-40B4-BE49-F238E27FC236}">
+                <a16:creationId xmlns:a16="http://schemas.microsoft.com/office/drawing/2014/main" id="{012D4057-22E8-7A3C-2489-DA0D99B192E7}"/>
+              </a:ext>
+            </a:extLst>
+          </p:cNvPr>
+          <p:cNvSpPr>
+            <a:spLocks noGrp="1"/>
+          </p:cNvSpPr>
+          <p:nvPr>
+            <p:ph type="title"/>
+          </p:nvPr>
+        </p:nvSpPr>
+        <p:spPr/>
+        <p:txBody>
+          <a:bodyPr/>
+          <a:lstStyle/>
+          <a:p>
+            <a:r>
+              <a:rPr lang="en-US" dirty="0"/>
+              <a:t>Why log numeric variables?</a:t>
+            </a:r>
+          </a:p>
+        </p:txBody>
+      </p:sp>
+      <p:sp>
+        <p:nvSpPr>
+          <p:cNvPr id="3" name="Content Placeholder 2">
+            <a:extLst>
+              <a:ext uri="{FF2B5EF4-FFF2-40B4-BE49-F238E27FC236}">
+                <a16:creationId xmlns:a16="http://schemas.microsoft.com/office/drawing/2014/main" id="{5B8DEA90-6C63-CF7D-DED4-CD11674CBD48}"/>
+              </a:ext>
+            </a:extLst>
+          </p:cNvPr>
+          <p:cNvSpPr>
+            <a:spLocks noGrp="1"/>
+          </p:cNvSpPr>
+          <p:nvPr>
+            <p:ph idx="1"/>
+          </p:nvPr>
+        </p:nvSpPr>
+        <p:spPr/>
+        <p:txBody>
+          <a:bodyPr/>
+          <a:lstStyle/>
+          <a:p>
+            <a:pPr marL="0" indent="0">
+              <a:buNone/>
+            </a:pPr>
+            <a:r>
+              <a:rPr lang="en-US" b="1" dirty="0"/>
+              <a:t>Reduces the influence of outliers</a:t>
+            </a:r>
+          </a:p>
+          <a:p>
+            <a:pPr lvl="1"/>
+            <a:r>
+              <a:rPr lang="en-US" dirty="0"/>
+              <a:t>Large numeric variables can </a:t>
+            </a:r>
+            <a:r>
+              <a:rPr lang="en-US" b="1" dirty="0"/>
+              <a:t>dominate the regression</a:t>
+            </a:r>
+            <a:r>
+              <a:rPr lang="en-US" dirty="0"/>
+              <a:t>, especially if they contain outliers.</a:t>
+            </a:r>
+          </a:p>
+          <a:p>
+            <a:pPr lvl="1"/>
+            <a:r>
+              <a:rPr lang="en-US" dirty="0"/>
+              <a:t>Logging reduces their influence, which can help with:</a:t>
+            </a:r>
+          </a:p>
+          <a:p>
+            <a:pPr lvl="2"/>
+            <a:r>
+              <a:rPr lang="en-US" dirty="0"/>
+              <a:t>Numerical stability</a:t>
+            </a:r>
+          </a:p>
+          <a:p>
+            <a:pPr lvl="2"/>
+            <a:r>
+              <a:rPr lang="en-US" dirty="0"/>
+              <a:t>More robust coefficient estimates</a:t>
+            </a:r>
+          </a:p>
+          <a:p>
+            <a:endParaRPr lang="en-US" dirty="0"/>
+          </a:p>
+        </p:txBody>
+      </p:sp>
+    </p:spTree>
+    <p:extLst>
+      <p:ext uri="{BB962C8B-B14F-4D97-AF65-F5344CB8AC3E}">
+        <p14:creationId xmlns:p14="http://schemas.microsoft.com/office/powerpoint/2010/main" val="1496914379"/>
+      </p:ext>
+    </p:extLst>
+  </p:cSld>
+  <p:clrMapOvr>
+    <a:masterClrMapping/>
+  </p:clrMapOvr>
+</p:sld>
+</file>
+
+<file path=ppt/slides/slide19.xml><?xml version="1.0" encoding="utf-8"?>
+<p:sld xmlns:a="http://schemas.openxmlformats.org/drawingml/2006/main" xmlns:r="http://schemas.openxmlformats.org/officeDocument/2006/relationships" xmlns:p="http://schemas.openxmlformats.org/presentationml/2006/main">
+  <p:cSld>
+    <p:spTree>
+      <p:nvGrpSpPr>
+        <p:cNvPr id="1" name=""/>
+        <p:cNvGrpSpPr/>
+        <p:nvPr/>
+      </p:nvGrpSpPr>
+      <p:grpSpPr>
+        <a:xfrm>
+          <a:off x="0" y="0"/>
+          <a:ext cx="0" cy="0"/>
+          <a:chOff x="0" y="0"/>
+          <a:chExt cx="0" cy="0"/>
+        </a:xfrm>
+      </p:grpSpPr>
+      <p:sp>
+        <p:nvSpPr>
+          <p:cNvPr id="2" name="Title 1">
+            <a:extLst>
+              <a:ext uri="{FF2B5EF4-FFF2-40B4-BE49-F238E27FC236}">
                 <a16:creationId xmlns:a16="http://schemas.microsoft.com/office/drawing/2014/main" id="{E382CD56-50C7-C738-D740-37A14C5CBF15}"/>
               </a:ext>
             </a:extLst>
@@ -6434,7 +6851,143 @@
 </p:sld>
 </file>
 
-<file path=ppt/slides/slide19.xml><?xml version="1.0" encoding="utf-8"?>
+<file path=ppt/slides/slide2.xml><?xml version="1.0" encoding="utf-8"?>
+<p:sld xmlns:a="http://schemas.openxmlformats.org/drawingml/2006/main" xmlns:r="http://schemas.openxmlformats.org/officeDocument/2006/relationships" xmlns:p="http://schemas.openxmlformats.org/presentationml/2006/main">
+  <p:cSld>
+    <p:spTree>
+      <p:nvGrpSpPr>
+        <p:cNvPr id="1" name=""/>
+        <p:cNvGrpSpPr/>
+        <p:nvPr/>
+      </p:nvGrpSpPr>
+      <p:grpSpPr>
+        <a:xfrm>
+          <a:off x="0" y="0"/>
+          <a:ext cx="0" cy="0"/>
+          <a:chOff x="0" y="0"/>
+          <a:chExt cx="0" cy="0"/>
+        </a:xfrm>
+      </p:grpSpPr>
+      <p:sp>
+        <p:nvSpPr>
+          <p:cNvPr id="2" name="Title 1">
+            <a:extLst>
+              <a:ext uri="{FF2B5EF4-FFF2-40B4-BE49-F238E27FC236}">
+                <a16:creationId xmlns:a16="http://schemas.microsoft.com/office/drawing/2014/main" id="{4DD9C518-0F67-AFB8-B172-9E54DA79D628}"/>
+              </a:ext>
+            </a:extLst>
+          </p:cNvPr>
+          <p:cNvSpPr>
+            <a:spLocks noGrp="1"/>
+          </p:cNvSpPr>
+          <p:nvPr>
+            <p:ph type="title"/>
+          </p:nvPr>
+        </p:nvSpPr>
+        <p:spPr/>
+        <p:txBody>
+          <a:bodyPr/>
+          <a:lstStyle/>
+          <a:p>
+            <a:r>
+              <a:rPr lang="en-US" dirty="0"/>
+              <a:t>A few things</a:t>
+            </a:r>
+          </a:p>
+        </p:txBody>
+      </p:sp>
+      <p:sp>
+        <p:nvSpPr>
+          <p:cNvPr id="3" name="Content Placeholder 2">
+            <a:extLst>
+              <a:ext uri="{FF2B5EF4-FFF2-40B4-BE49-F238E27FC236}">
+                <a16:creationId xmlns:a16="http://schemas.microsoft.com/office/drawing/2014/main" id="{388D8853-6A3D-2C08-CE12-ABF29E44DE54}"/>
+              </a:ext>
+            </a:extLst>
+          </p:cNvPr>
+          <p:cNvSpPr>
+            <a:spLocks noGrp="1"/>
+          </p:cNvSpPr>
+          <p:nvPr>
+            <p:ph idx="1"/>
+          </p:nvPr>
+        </p:nvSpPr>
+        <p:spPr/>
+        <p:txBody>
+          <a:bodyPr/>
+          <a:lstStyle/>
+          <a:p>
+            <a:r>
+              <a:rPr lang="en-US" dirty="0"/>
+              <a:t>Homework 1 and next homework</a:t>
+            </a:r>
+          </a:p>
+          <a:p>
+            <a:r>
+              <a:rPr lang="en-US" dirty="0"/>
+              <a:t>Groups</a:t>
+            </a:r>
+          </a:p>
+          <a:p>
+            <a:r>
+              <a:rPr lang="en-US" dirty="0"/>
+              <a:t>Guest speakers:</a:t>
+            </a:r>
+          </a:p>
+          <a:p>
+            <a:pPr lvl="1"/>
+            <a:r>
+              <a:rPr lang="en-US" dirty="0"/>
+              <a:t>Jonathan Elliot, Director, Data Science at </a:t>
+            </a:r>
+            <a:r>
+              <a:rPr lang="en-US" dirty="0" err="1"/>
+              <a:t>Stubhub</a:t>
+            </a:r>
+            <a:r>
+              <a:rPr lang="en-US" dirty="0"/>
+              <a:t> (Sept. 29)</a:t>
+            </a:r>
+          </a:p>
+          <a:p>
+            <a:pPr lvl="1"/>
+            <a:r>
+              <a:rPr lang="en-US" dirty="0"/>
+              <a:t>Yang Wang, Principal Economist at Amazon (Nov. 5)</a:t>
+            </a:r>
+          </a:p>
+          <a:p>
+            <a:pPr lvl="1"/>
+            <a:r>
+              <a:rPr lang="en-US" dirty="0"/>
+              <a:t>Giovanni Marano: Analytics Senior Director at FanDuel (Nov. </a:t>
+            </a:r>
+            <a:r>
+              <a:rPr lang="en-US"/>
+              <a:t>17/19)</a:t>
+            </a:r>
+            <a:endParaRPr lang="en-US" dirty="0"/>
+          </a:p>
+          <a:p>
+            <a:pPr lvl="1"/>
+            <a:endParaRPr lang="en-US" dirty="0"/>
+          </a:p>
+        </p:txBody>
+      </p:sp>
+    </p:spTree>
+    <p:extLst>
+      <p:ext uri="{BB962C8B-B14F-4D97-AF65-F5344CB8AC3E}">
+        <p14:creationId xmlns:p14="http://schemas.microsoft.com/office/powerpoint/2010/main" val="1773224291"/>
+      </p:ext>
+    </p:extLst>
+  </p:cSld>
+  <p:clrMapOvr>
+    <a:masterClrMapping/>
+  </p:clrMapOvr>
+</p:sld>
+</file>
+
+<file path=ppt/slides/slide20.xml><?xml version="1.0" encoding="utf-8"?>
 <p:sld xmlns:a="http://schemas.openxmlformats.org/drawingml/2006/main" xmlns:r="http://schemas.openxmlformats.org/officeDocument/2006/relationships" xmlns:p="http://schemas.openxmlformats.org/presentationml/2006/main">
   <p:cSld>
     <p:spTree>
@@ -6859,7 +7412,7 @@
 </p:sld>
 </file>
 
-<file path=ppt/slides/slide2.xml><?xml version="1.0" encoding="utf-8"?>
+<file path=ppt/slides/slide21.xml><?xml version="1.0" encoding="utf-8"?>
 <p:sld xmlns:a="http://schemas.openxmlformats.org/drawingml/2006/main" xmlns:r="http://schemas.openxmlformats.org/officeDocument/2006/relationships" xmlns:p="http://schemas.openxmlformats.org/presentationml/2006/main">
   <p:cSld>
     <p:spTree>
@@ -6881,142 +7434,6 @@
           <p:cNvPr id="2" name="Title 1">
             <a:extLst>
               <a:ext uri="{FF2B5EF4-FFF2-40B4-BE49-F238E27FC236}">
-                <a16:creationId xmlns:a16="http://schemas.microsoft.com/office/drawing/2014/main" id="{9CD8AC44-50A9-8A2D-5224-400C238065A5}"/>
-              </a:ext>
-            </a:extLst>
-          </p:cNvPr>
-          <p:cNvSpPr>
-            <a:spLocks noGrp="1"/>
-          </p:cNvSpPr>
-          <p:nvPr>
-            <p:ph type="title"/>
-          </p:nvPr>
-        </p:nvSpPr>
-        <p:spPr/>
-        <p:txBody>
-          <a:bodyPr/>
-          <a:lstStyle/>
-          <a:p>
-            <a:r>
-              <a:rPr lang="en-US" dirty="0"/>
-              <a:t>What we will learn</a:t>
-            </a:r>
-          </a:p>
-        </p:txBody>
-      </p:sp>
-      <p:sp>
-        <p:nvSpPr>
-          <p:cNvPr id="3" name="Content Placeholder 2">
-            <a:extLst>
-              <a:ext uri="{FF2B5EF4-FFF2-40B4-BE49-F238E27FC236}">
-                <a16:creationId xmlns:a16="http://schemas.microsoft.com/office/drawing/2014/main" id="{0A7681EE-C448-3138-165C-05A24977A38C}"/>
-              </a:ext>
-            </a:extLst>
-          </p:cNvPr>
-          <p:cNvSpPr>
-            <a:spLocks noGrp="1"/>
-          </p:cNvSpPr>
-          <p:nvPr>
-            <p:ph idx="1"/>
-          </p:nvPr>
-        </p:nvSpPr>
-        <p:spPr/>
-        <p:txBody>
-          <a:bodyPr/>
-          <a:lstStyle/>
-          <a:p>
-            <a:r>
-              <a:rPr lang="en-US" dirty="0"/>
-              <a:t>We continue to talk about </a:t>
-            </a:r>
-            <a:r>
-              <a:rPr lang="en-US" b="1" dirty="0"/>
-              <a:t>covariation</a:t>
-            </a:r>
-            <a:r>
-              <a:rPr lang="en-US" dirty="0"/>
-              <a:t> and learn how to model it using regressions</a:t>
-            </a:r>
-          </a:p>
-          <a:p>
-            <a:pPr lvl="1"/>
-            <a:endParaRPr lang="en-US" dirty="0"/>
-          </a:p>
-          <a:p>
-            <a:r>
-              <a:rPr lang="en-US" dirty="0"/>
-              <a:t>We are going to cover linear regressions and important concepts associated with them</a:t>
-            </a:r>
-          </a:p>
-          <a:p>
-            <a:endParaRPr lang="en-US" dirty="0"/>
-          </a:p>
-          <a:p>
-            <a:r>
-              <a:rPr lang="en-US" dirty="0"/>
-              <a:t>Chapter </a:t>
-            </a:r>
-            <a:r>
-              <a:rPr lang="en-US" dirty="0">
-                <a:hlinkClick r:id="rId2"/>
-              </a:rPr>
-              <a:t>3.4</a:t>
-            </a:r>
-            <a:r>
-              <a:rPr lang="en-US" dirty="0"/>
-              <a:t> of R for Marketing Students</a:t>
-            </a:r>
-          </a:p>
-          <a:p>
-            <a:r>
-              <a:rPr lang="en-US" dirty="0"/>
-              <a:t>(Advanced &amp; optional) </a:t>
-            </a:r>
-            <a:r>
-              <a:rPr lang="en-US" dirty="0">
-                <a:hlinkClick r:id="rId3"/>
-              </a:rPr>
-              <a:t>Lecture 6 of Data Storytelling for Marketers</a:t>
-            </a:r>
-            <a:endParaRPr lang="en-US" dirty="0"/>
-          </a:p>
-        </p:txBody>
-      </p:sp>
-    </p:spTree>
-    <p:extLst>
-      <p:ext uri="{BB962C8B-B14F-4D97-AF65-F5344CB8AC3E}">
-        <p14:creationId xmlns:p14="http://schemas.microsoft.com/office/powerpoint/2010/main" val="1585434795"/>
-      </p:ext>
-    </p:extLst>
-  </p:cSld>
-  <p:clrMapOvr>
-    <a:masterClrMapping/>
-  </p:clrMapOvr>
-</p:sld>
-</file>
-
-<file path=ppt/slides/slide20.xml><?xml version="1.0" encoding="utf-8"?>
-<p:sld xmlns:a="http://schemas.openxmlformats.org/drawingml/2006/main" xmlns:r="http://schemas.openxmlformats.org/officeDocument/2006/relationships" xmlns:p="http://schemas.openxmlformats.org/presentationml/2006/main">
-  <p:cSld>
-    <p:spTree>
-      <p:nvGrpSpPr>
-        <p:cNvPr id="1" name=""/>
-        <p:cNvGrpSpPr/>
-        <p:nvPr/>
-      </p:nvGrpSpPr>
-      <p:grpSpPr>
-        <a:xfrm>
-          <a:off x="0" y="0"/>
-          <a:ext cx="0" cy="0"/>
-          <a:chOff x="0" y="0"/>
-          <a:chExt cx="0" cy="0"/>
-        </a:xfrm>
-      </p:grpSpPr>
-      <p:sp>
-        <p:nvSpPr>
-          <p:cNvPr id="2" name="Title 1">
-            <a:extLst>
-              <a:ext uri="{FF2B5EF4-FFF2-40B4-BE49-F238E27FC236}">
                 <a16:creationId xmlns:a16="http://schemas.microsoft.com/office/drawing/2014/main" id="{C719911B-4856-B418-7FAC-470FEA8CA5BC}"/>
               </a:ext>
             </a:extLst>
@@ -7176,7 +7593,7 @@
 </p:sld>
 </file>
 
-<file path=ppt/slides/slide21.xml><?xml version="1.0" encoding="utf-8"?>
+<file path=ppt/slides/slide22.xml><?xml version="1.0" encoding="utf-8"?>
 <p:sld xmlns:a="http://schemas.openxmlformats.org/drawingml/2006/main" xmlns:r="http://schemas.openxmlformats.org/officeDocument/2006/relationships" xmlns:p="http://schemas.openxmlformats.org/presentationml/2006/main">
   <p:cSld>
     <p:spTree>
@@ -7299,7 +7716,7 @@
 </p:sld>
 </file>
 
-<file path=ppt/slides/slide22.xml><?xml version="1.0" encoding="utf-8"?>
+<file path=ppt/slides/slide23.xml><?xml version="1.0" encoding="utf-8"?>
 <p:sld xmlns:a="http://schemas.openxmlformats.org/drawingml/2006/main" xmlns:r="http://schemas.openxmlformats.org/officeDocument/2006/relationships" xmlns:p="http://schemas.openxmlformats.org/presentationml/2006/main">
   <p:cSld>
     <p:spTree>
@@ -7397,7 +7814,7 @@
 </p:sld>
 </file>
 
-<file path=ppt/slides/slide23.xml><?xml version="1.0" encoding="utf-8"?>
+<file path=ppt/slides/slide24.xml><?xml version="1.0" encoding="utf-8"?>
 <p:sld xmlns:a="http://schemas.openxmlformats.org/drawingml/2006/main" xmlns:r="http://schemas.openxmlformats.org/officeDocument/2006/relationships" xmlns:p="http://schemas.openxmlformats.org/presentationml/2006/main">
   <p:cSld>
     <p:spTree>
@@ -7484,7 +7901,7 @@
 </p:sld>
 </file>
 
-<file path=ppt/slides/slide24.xml><?xml version="1.0" encoding="utf-8"?>
+<file path=ppt/slides/slide25.xml><?xml version="1.0" encoding="utf-8"?>
 <p:sld xmlns:a="http://schemas.openxmlformats.org/drawingml/2006/main" xmlns:r="http://schemas.openxmlformats.org/officeDocument/2006/relationships" xmlns:p="http://schemas.openxmlformats.org/presentationml/2006/main">
   <p:cSld>
     <p:spTree>
@@ -7719,7 +8136,7 @@
 </p:sld>
 </file>
 
-<file path=ppt/slides/slide25.xml><?xml version="1.0" encoding="utf-8"?>
+<file path=ppt/slides/slide26.xml><?xml version="1.0" encoding="utf-8"?>
 <p:sld xmlns:a="http://schemas.openxmlformats.org/drawingml/2006/main" xmlns:r="http://schemas.openxmlformats.org/officeDocument/2006/relationships" xmlns:p="http://schemas.openxmlformats.org/presentationml/2006/main">
   <p:cSld>
     <p:spTree>
@@ -7960,7 +8377,7 @@
 </p:sld>
 </file>
 
-<file path=ppt/slides/slide26.xml><?xml version="1.0" encoding="utf-8"?>
+<file path=ppt/slides/slide27.xml><?xml version="1.0" encoding="utf-8"?>
 <p:sld xmlns:a="http://schemas.openxmlformats.org/drawingml/2006/main" xmlns:r="http://schemas.openxmlformats.org/officeDocument/2006/relationships" xmlns:p="http://schemas.openxmlformats.org/presentationml/2006/main">
   <p:cSld>
     <p:spTree>
@@ -8201,7 +8618,7 @@
 </p:sld>
 </file>
 
-<file path=ppt/slides/slide27.xml><?xml version="1.0" encoding="utf-8"?>
+<file path=ppt/slides/slide28.xml><?xml version="1.0" encoding="utf-8"?>
 <p:sld xmlns:a="http://schemas.openxmlformats.org/drawingml/2006/main" xmlns:r="http://schemas.openxmlformats.org/officeDocument/2006/relationships" xmlns:p="http://schemas.openxmlformats.org/presentationml/2006/main">
   <p:cSld>
     <p:spTree>
@@ -8374,7 +8791,7 @@
 </p:sld>
 </file>
 
-<file path=ppt/slides/slide28.xml><?xml version="1.0" encoding="utf-8"?>
+<file path=ppt/slides/slide29.xml><?xml version="1.0" encoding="utf-8"?>
 <p:sld xmlns:a="http://schemas.openxmlformats.org/drawingml/2006/main" xmlns:r="http://schemas.openxmlformats.org/officeDocument/2006/relationships" xmlns:p="http://schemas.openxmlformats.org/presentationml/2006/main">
   <p:cSld>
     <p:spTree>
@@ -8721,7 +9138,143 @@
 </p:sld>
 </file>
 
-<file path=ppt/slides/slide29.xml><?xml version="1.0" encoding="utf-8"?>
+<file path=ppt/slides/slide3.xml><?xml version="1.0" encoding="utf-8"?>
+<p:sld xmlns:a="http://schemas.openxmlformats.org/drawingml/2006/main" xmlns:r="http://schemas.openxmlformats.org/officeDocument/2006/relationships" xmlns:p="http://schemas.openxmlformats.org/presentationml/2006/main">
+  <p:cSld>
+    <p:spTree>
+      <p:nvGrpSpPr>
+        <p:cNvPr id="1" name=""/>
+        <p:cNvGrpSpPr/>
+        <p:nvPr/>
+      </p:nvGrpSpPr>
+      <p:grpSpPr>
+        <a:xfrm>
+          <a:off x="0" y="0"/>
+          <a:ext cx="0" cy="0"/>
+          <a:chOff x="0" y="0"/>
+          <a:chExt cx="0" cy="0"/>
+        </a:xfrm>
+      </p:grpSpPr>
+      <p:sp>
+        <p:nvSpPr>
+          <p:cNvPr id="2" name="Title 1">
+            <a:extLst>
+              <a:ext uri="{FF2B5EF4-FFF2-40B4-BE49-F238E27FC236}">
+                <a16:creationId xmlns:a16="http://schemas.microsoft.com/office/drawing/2014/main" id="{9CD8AC44-50A9-8A2D-5224-400C238065A5}"/>
+              </a:ext>
+            </a:extLst>
+          </p:cNvPr>
+          <p:cNvSpPr>
+            <a:spLocks noGrp="1"/>
+          </p:cNvSpPr>
+          <p:nvPr>
+            <p:ph type="title"/>
+          </p:nvPr>
+        </p:nvSpPr>
+        <p:spPr/>
+        <p:txBody>
+          <a:bodyPr/>
+          <a:lstStyle/>
+          <a:p>
+            <a:r>
+              <a:rPr lang="en-US" dirty="0"/>
+              <a:t>What we will learn</a:t>
+            </a:r>
+          </a:p>
+        </p:txBody>
+      </p:sp>
+      <p:sp>
+        <p:nvSpPr>
+          <p:cNvPr id="3" name="Content Placeholder 2">
+            <a:extLst>
+              <a:ext uri="{FF2B5EF4-FFF2-40B4-BE49-F238E27FC236}">
+                <a16:creationId xmlns:a16="http://schemas.microsoft.com/office/drawing/2014/main" id="{0A7681EE-C448-3138-165C-05A24977A38C}"/>
+              </a:ext>
+            </a:extLst>
+          </p:cNvPr>
+          <p:cNvSpPr>
+            <a:spLocks noGrp="1"/>
+          </p:cNvSpPr>
+          <p:nvPr>
+            <p:ph idx="1"/>
+          </p:nvPr>
+        </p:nvSpPr>
+        <p:spPr/>
+        <p:txBody>
+          <a:bodyPr/>
+          <a:lstStyle/>
+          <a:p>
+            <a:r>
+              <a:rPr lang="en-US" dirty="0"/>
+              <a:t>We continue to talk about </a:t>
+            </a:r>
+            <a:r>
+              <a:rPr lang="en-US" b="1" dirty="0"/>
+              <a:t>covariation</a:t>
+            </a:r>
+            <a:r>
+              <a:rPr lang="en-US" dirty="0"/>
+              <a:t> and learn how to model it using regressions</a:t>
+            </a:r>
+          </a:p>
+          <a:p>
+            <a:pPr lvl="1"/>
+            <a:endParaRPr lang="en-US" dirty="0"/>
+          </a:p>
+          <a:p>
+            <a:r>
+              <a:rPr lang="en-US" dirty="0"/>
+              <a:t>We are going to cover linear regressions and important concepts associated with them</a:t>
+            </a:r>
+          </a:p>
+          <a:p>
+            <a:endParaRPr lang="en-US" dirty="0"/>
+          </a:p>
+          <a:p>
+            <a:r>
+              <a:rPr lang="en-US" dirty="0"/>
+              <a:t>Chapter </a:t>
+            </a:r>
+            <a:r>
+              <a:rPr lang="en-US" dirty="0">
+                <a:hlinkClick r:id="rId2"/>
+              </a:rPr>
+              <a:t>3.4</a:t>
+            </a:r>
+            <a:r>
+              <a:rPr lang="en-US" dirty="0"/>
+              <a:t> of R for Marketing Students</a:t>
+            </a:r>
+          </a:p>
+          <a:p>
+            <a:r>
+              <a:rPr lang="en-US" dirty="0"/>
+              <a:t>(Advanced &amp; optional) </a:t>
+            </a:r>
+            <a:r>
+              <a:rPr lang="en-US" dirty="0">
+                <a:hlinkClick r:id="rId3"/>
+              </a:rPr>
+              <a:t>Lecture 6 of Data Storytelling for Marketers</a:t>
+            </a:r>
+            <a:endParaRPr lang="en-US" dirty="0"/>
+          </a:p>
+        </p:txBody>
+      </p:sp>
+    </p:spTree>
+    <p:extLst>
+      <p:ext uri="{BB962C8B-B14F-4D97-AF65-F5344CB8AC3E}">
+        <p14:creationId xmlns:p14="http://schemas.microsoft.com/office/powerpoint/2010/main" val="1585434795"/>
+      </p:ext>
+    </p:extLst>
+  </p:cSld>
+  <p:clrMapOvr>
+    <a:masterClrMapping/>
+  </p:clrMapOvr>
+</p:sld>
+</file>
+
+<file path=ppt/slides/slide30.xml><?xml version="1.0" encoding="utf-8"?>
 <p:sld xmlns:a="http://schemas.openxmlformats.org/drawingml/2006/main" xmlns:r="http://schemas.openxmlformats.org/officeDocument/2006/relationships" xmlns:p="http://schemas.openxmlformats.org/presentationml/2006/main">
   <p:cSld>
     <p:spTree>
@@ -8941,295 +9494,7 @@
 </p:sld>
 </file>
 
-<file path=ppt/slides/slide3.xml><?xml version="1.0" encoding="utf-8"?>
-<p:sld xmlns:a="http://schemas.openxmlformats.org/drawingml/2006/main" xmlns:r="http://schemas.openxmlformats.org/officeDocument/2006/relationships" xmlns:p="http://schemas.openxmlformats.org/presentationml/2006/main">
-  <p:cSld>
-    <p:spTree>
-      <p:nvGrpSpPr>
-        <p:cNvPr id="1" name=""/>
-        <p:cNvGrpSpPr/>
-        <p:nvPr/>
-      </p:nvGrpSpPr>
-      <p:grpSpPr>
-        <a:xfrm>
-          <a:off x="0" y="0"/>
-          <a:ext cx="0" cy="0"/>
-          <a:chOff x="0" y="0"/>
-          <a:chExt cx="0" cy="0"/>
-        </a:xfrm>
-      </p:grpSpPr>
-      <p:sp>
-        <p:nvSpPr>
-          <p:cNvPr id="2" name="Title 1">
-            <a:extLst>
-              <a:ext uri="{FF2B5EF4-FFF2-40B4-BE49-F238E27FC236}">
-                <a16:creationId xmlns:a16="http://schemas.microsoft.com/office/drawing/2014/main" id="{EDA56499-0D8E-2730-BF89-F54BEDA15BA9}"/>
-              </a:ext>
-            </a:extLst>
-          </p:cNvPr>
-          <p:cNvSpPr>
-            <a:spLocks noGrp="1"/>
-          </p:cNvSpPr>
-          <p:nvPr>
-            <p:ph type="title"/>
-          </p:nvPr>
-        </p:nvSpPr>
-        <p:spPr/>
-        <p:txBody>
-          <a:bodyPr/>
-          <a:lstStyle/>
-          <a:p>
-            <a:r>
-              <a:rPr lang="en-US" dirty="0"/>
-              <a:t>What is a Linear Regression</a:t>
-            </a:r>
-          </a:p>
-        </p:txBody>
-      </p:sp>
-      <mc:AlternateContent xmlns:mc="http://schemas.openxmlformats.org/markup-compatibility/2006" xmlns:a14="http://schemas.microsoft.com/office/drawing/2010/main">
-        <mc:Choice Requires="a14">
-          <p:sp>
-            <p:nvSpPr>
-              <p:cNvPr id="3" name="Content Placeholder 2">
-                <a:extLst>
-                  <a:ext uri="{FF2B5EF4-FFF2-40B4-BE49-F238E27FC236}">
-                    <a16:creationId xmlns:a16="http://schemas.microsoft.com/office/drawing/2014/main" id="{C872D126-E7C6-5C85-411F-23F5FE78B585}"/>
-                  </a:ext>
-                </a:extLst>
-              </p:cNvPr>
-              <p:cNvSpPr>
-                <a:spLocks noGrp="1"/>
-              </p:cNvSpPr>
-              <p:nvPr>
-                <p:ph idx="1"/>
-              </p:nvPr>
-            </p:nvSpPr>
-            <p:spPr/>
-            <p:txBody>
-              <a:bodyPr>
-                <a:normAutofit lnSpcReduction="10000"/>
-              </a:bodyPr>
-              <a:lstStyle/>
-              <a:p>
-                <a:r>
-                  <a:rPr lang="en-US" dirty="0"/>
-                  <a:t>In simple terms, a regression allows us to predict a variable Y using one or a set of variables </a:t>
-                </a:r>
-                <a14:m>
-                  <m:oMath xmlns:m="http://schemas.openxmlformats.org/officeDocument/2006/math">
-                    <m:sSub>
-                      <m:sSubPr>
-                        <m:ctrlPr>
-                          <a:rPr lang="en-US" b="0" i="1" smtClean="0">
-                            <a:latin typeface="Cambria Math" panose="02040503050406030204" pitchFamily="18" charset="0"/>
-                          </a:rPr>
-                        </m:ctrlPr>
-                      </m:sSubPr>
-                      <m:e>
-                        <m:r>
-                          <a:rPr lang="en-US" b="0" i="1" smtClean="0">
-                            <a:latin typeface="Cambria Math" panose="02040503050406030204" pitchFamily="18" charset="0"/>
-                          </a:rPr>
-                          <m:t>𝑋</m:t>
-                        </m:r>
-                      </m:e>
-                      <m:sub>
-                        <m:r>
-                          <a:rPr lang="en-US" b="0" i="1" smtClean="0">
-                            <a:latin typeface="Cambria Math" panose="02040503050406030204" pitchFamily="18" charset="0"/>
-                          </a:rPr>
-                          <m:t>𝑗</m:t>
-                        </m:r>
-                      </m:sub>
-                    </m:sSub>
-                    <m:r>
-                      <a:rPr lang="en-US" b="0" i="1" smtClean="0">
-                        <a:latin typeface="Cambria Math" panose="02040503050406030204" pitchFamily="18" charset="0"/>
-                      </a:rPr>
-                      <m:t> (</m:t>
-                    </m:r>
-                    <m:r>
-                      <a:rPr lang="en-US" b="0" i="1" smtClean="0">
-                        <a:latin typeface="Cambria Math" panose="02040503050406030204" pitchFamily="18" charset="0"/>
-                      </a:rPr>
-                      <m:t>𝑗</m:t>
-                    </m:r>
-                    <m:r>
-                      <a:rPr lang="en-US" b="0" i="1" smtClean="0">
-                        <a:latin typeface="Cambria Math" panose="02040503050406030204" pitchFamily="18" charset="0"/>
-                      </a:rPr>
-                      <m:t>=1:</m:t>
-                    </m:r>
-                    <m:r>
-                      <a:rPr lang="en-US" b="0" i="1" smtClean="0">
-                        <a:latin typeface="Cambria Math" panose="02040503050406030204" pitchFamily="18" charset="0"/>
-                      </a:rPr>
-                      <m:t>𝑁</m:t>
-                    </m:r>
-                    <m:r>
-                      <a:rPr lang="en-US" b="0" i="1" smtClean="0">
-                        <a:latin typeface="Cambria Math" panose="02040503050406030204" pitchFamily="18" charset="0"/>
-                      </a:rPr>
-                      <m:t>)</m:t>
-                    </m:r>
-                  </m:oMath>
-                </a14:m>
-                <a:endParaRPr lang="en-US" dirty="0"/>
-              </a:p>
-              <a:p>
-                <a:r>
-                  <a:rPr lang="en-US" dirty="0"/>
-                  <a:t>We refer to </a:t>
-                </a:r>
-                <a:r>
-                  <a:rPr lang="en-US" b="1" dirty="0"/>
-                  <a:t>Y as outcome or dependent variable</a:t>
-                </a:r>
-              </a:p>
-              <a:p>
-                <a:r>
-                  <a:rPr lang="en-US" dirty="0"/>
-                  <a:t>We refer to </a:t>
-                </a:r>
-                <a14:m>
-                  <m:oMath xmlns:m="http://schemas.openxmlformats.org/officeDocument/2006/math">
-                    <m:sSub>
-                      <m:sSubPr>
-                        <m:ctrlPr>
-                          <a:rPr lang="en-US" b="1" i="1" smtClean="0">
-                            <a:latin typeface="Cambria Math" panose="02040503050406030204" pitchFamily="18" charset="0"/>
-                          </a:rPr>
-                        </m:ctrlPr>
-                      </m:sSubPr>
-                      <m:e>
-                        <m:r>
-                          <a:rPr lang="en-US" b="1" i="1" smtClean="0">
-                            <a:latin typeface="Cambria Math" panose="02040503050406030204" pitchFamily="18" charset="0"/>
-                          </a:rPr>
-                          <m:t>𝑿</m:t>
-                        </m:r>
-                      </m:e>
-                      <m:sub>
-                        <m:r>
-                          <a:rPr lang="en-US" b="1" i="1" smtClean="0">
-                            <a:latin typeface="Cambria Math" panose="02040503050406030204" pitchFamily="18" charset="0"/>
-                          </a:rPr>
-                          <m:t>𝒋</m:t>
-                        </m:r>
-                      </m:sub>
-                    </m:sSub>
-                  </m:oMath>
-                </a14:m>
-                <a:r>
-                  <a:rPr lang="en-US" b="1" dirty="0"/>
-                  <a:t> as predictors or independent variables</a:t>
-                </a:r>
-              </a:p>
-              <a:p>
-                <a:endParaRPr lang="en-US" dirty="0"/>
-              </a:p>
-              <a:p>
-                <a:r>
-                  <a:rPr lang="en-US" dirty="0"/>
-                  <a:t>For example:</a:t>
-                </a:r>
-              </a:p>
-              <a:p>
-                <a:pPr lvl="1"/>
-                <a:r>
-                  <a:rPr lang="en-US" dirty="0"/>
-                  <a:t>Income (Y) as a function of education (X)</a:t>
-                </a:r>
-              </a:p>
-              <a:p>
-                <a:pPr lvl="1"/>
-                <a:r>
-                  <a:rPr lang="en-US" dirty="0"/>
-                  <a:t>Sales (Y) as a function of ad spend (X)</a:t>
-                </a:r>
-              </a:p>
-              <a:p>
-                <a:pPr lvl="1"/>
-                <a:r>
-                  <a:rPr lang="en-US" dirty="0"/>
-                  <a:t>Revenue (Y) as a function of review ratings (X)</a:t>
-                </a:r>
-              </a:p>
-              <a:p>
-                <a:pPr lvl="1"/>
-                <a:r>
-                  <a:rPr lang="en-US" dirty="0"/>
-                  <a:t>House prices (Y) as a function of mortgage interest rates (X)</a:t>
-                </a:r>
-              </a:p>
-              <a:p>
-                <a:pPr lvl="1"/>
-                <a:endParaRPr lang="en-US" dirty="0"/>
-              </a:p>
-              <a:p>
-                <a:pPr lvl="1"/>
-                <a:endParaRPr lang="en-US" dirty="0"/>
-              </a:p>
-              <a:p>
-                <a:endParaRPr lang="en-US" dirty="0"/>
-              </a:p>
-            </p:txBody>
-          </p:sp>
-        </mc:Choice>
-        <mc:Fallback xmlns="">
-          <p:sp>
-            <p:nvSpPr>
-              <p:cNvPr id="3" name="Content Placeholder 2">
-                <a:extLst>
-                  <a:ext uri="{FF2B5EF4-FFF2-40B4-BE49-F238E27FC236}">
-                    <a16:creationId xmlns:a16="http://schemas.microsoft.com/office/drawing/2014/main" id="{C872D126-E7C6-5C85-411F-23F5FE78B585}"/>
-                  </a:ext>
-                </a:extLst>
-              </p:cNvPr>
-              <p:cNvSpPr>
-                <a:spLocks noGrp="1" noRot="1" noChangeAspect="1" noMove="1" noResize="1" noEditPoints="1" noAdjustHandles="1" noChangeArrowheads="1" noChangeShapeType="1" noTextEdit="1"/>
-              </p:cNvSpPr>
-              <p:nvPr>
-                <p:ph idx="1"/>
-              </p:nvPr>
-            </p:nvSpPr>
-            <p:spPr>
-              <a:blipFill>
-                <a:blip r:embed="rId2"/>
-                <a:stretch>
-                  <a:fillRect l="-1086" t="-3198"/>
-                </a:stretch>
-              </a:blipFill>
-            </p:spPr>
-            <p:txBody>
-              <a:bodyPr/>
-              <a:lstStyle/>
-              <a:p>
-                <a:r>
-                  <a:rPr lang="en-US">
-                    <a:noFill/>
-                  </a:rPr>
-                  <a:t> </a:t>
-                </a:r>
-              </a:p>
-            </p:txBody>
-          </p:sp>
-        </mc:Fallback>
-      </mc:AlternateContent>
-    </p:spTree>
-    <p:extLst>
-      <p:ext uri="{BB962C8B-B14F-4D97-AF65-F5344CB8AC3E}">
-        <p14:creationId xmlns:p14="http://schemas.microsoft.com/office/powerpoint/2010/main" val="3980262549"/>
-      </p:ext>
-    </p:extLst>
-  </p:cSld>
-  <p:clrMapOvr>
-    <a:masterClrMapping/>
-  </p:clrMapOvr>
-</p:sld>
-</file>
-
-<file path=ppt/slides/slide30.xml><?xml version="1.0" encoding="utf-8"?>
+<file path=ppt/slides/slide31.xml><?xml version="1.0" encoding="utf-8"?>
 <p:sld xmlns:a="http://schemas.openxmlformats.org/drawingml/2006/main" xmlns:r="http://schemas.openxmlformats.org/officeDocument/2006/relationships" xmlns:p="http://schemas.openxmlformats.org/presentationml/2006/main">
   <p:cSld>
     <p:spTree>
@@ -9499,7 +9764,7 @@
 </p:sld>
 </file>
 
-<file path=ppt/slides/slide31.xml><?xml version="1.0" encoding="utf-8"?>
+<file path=ppt/slides/slide32.xml><?xml version="1.0" encoding="utf-8"?>
 <p:sld xmlns:a="http://schemas.openxmlformats.org/drawingml/2006/main" xmlns:r="http://schemas.openxmlformats.org/officeDocument/2006/relationships" xmlns:p="http://schemas.openxmlformats.org/presentationml/2006/main">
   <p:cSld>
     <p:spTree>
@@ -11656,7 +11921,7 @@
 </p:sld>
 </file>
 
-<file path=ppt/slides/slide32.xml><?xml version="1.0" encoding="utf-8"?>
+<file path=ppt/slides/slide33.xml><?xml version="1.0" encoding="utf-8"?>
 <p:sld xmlns:a="http://schemas.openxmlformats.org/drawingml/2006/main" xmlns:r="http://schemas.openxmlformats.org/officeDocument/2006/relationships" xmlns:p="http://schemas.openxmlformats.org/presentationml/2006/main">
   <p:cSld>
     <p:spTree>
@@ -12071,7 +12336,7 @@
 </p:sld>
 </file>
 
-<file path=ppt/slides/slide33.xml><?xml version="1.0" encoding="utf-8"?>
+<file path=ppt/slides/slide34.xml><?xml version="1.0" encoding="utf-8"?>
 <p:sld xmlns:a="http://schemas.openxmlformats.org/drawingml/2006/main" xmlns:r="http://schemas.openxmlformats.org/officeDocument/2006/relationships" xmlns:p="http://schemas.openxmlformats.org/presentationml/2006/main">
   <p:cSld>
     <p:spTree>
@@ -12306,6 +12571,294 @@
 </file>
 
 <file path=ppt/slides/slide4.xml><?xml version="1.0" encoding="utf-8"?>
+<p:sld xmlns:a="http://schemas.openxmlformats.org/drawingml/2006/main" xmlns:r="http://schemas.openxmlformats.org/officeDocument/2006/relationships" xmlns:p="http://schemas.openxmlformats.org/presentationml/2006/main">
+  <p:cSld>
+    <p:spTree>
+      <p:nvGrpSpPr>
+        <p:cNvPr id="1" name=""/>
+        <p:cNvGrpSpPr/>
+        <p:nvPr/>
+      </p:nvGrpSpPr>
+      <p:grpSpPr>
+        <a:xfrm>
+          <a:off x="0" y="0"/>
+          <a:ext cx="0" cy="0"/>
+          <a:chOff x="0" y="0"/>
+          <a:chExt cx="0" cy="0"/>
+        </a:xfrm>
+      </p:grpSpPr>
+      <p:sp>
+        <p:nvSpPr>
+          <p:cNvPr id="2" name="Title 1">
+            <a:extLst>
+              <a:ext uri="{FF2B5EF4-FFF2-40B4-BE49-F238E27FC236}">
+                <a16:creationId xmlns:a16="http://schemas.microsoft.com/office/drawing/2014/main" id="{EDA56499-0D8E-2730-BF89-F54BEDA15BA9}"/>
+              </a:ext>
+            </a:extLst>
+          </p:cNvPr>
+          <p:cNvSpPr>
+            <a:spLocks noGrp="1"/>
+          </p:cNvSpPr>
+          <p:nvPr>
+            <p:ph type="title"/>
+          </p:nvPr>
+        </p:nvSpPr>
+        <p:spPr/>
+        <p:txBody>
+          <a:bodyPr/>
+          <a:lstStyle/>
+          <a:p>
+            <a:r>
+              <a:rPr lang="en-US" dirty="0"/>
+              <a:t>What is a Linear Regression</a:t>
+            </a:r>
+          </a:p>
+        </p:txBody>
+      </p:sp>
+      <mc:AlternateContent xmlns:mc="http://schemas.openxmlformats.org/markup-compatibility/2006" xmlns:a14="http://schemas.microsoft.com/office/drawing/2010/main">
+        <mc:Choice Requires="a14">
+          <p:sp>
+            <p:nvSpPr>
+              <p:cNvPr id="3" name="Content Placeholder 2">
+                <a:extLst>
+                  <a:ext uri="{FF2B5EF4-FFF2-40B4-BE49-F238E27FC236}">
+                    <a16:creationId xmlns:a16="http://schemas.microsoft.com/office/drawing/2014/main" id="{C872D126-E7C6-5C85-411F-23F5FE78B585}"/>
+                  </a:ext>
+                </a:extLst>
+              </p:cNvPr>
+              <p:cNvSpPr>
+                <a:spLocks noGrp="1"/>
+              </p:cNvSpPr>
+              <p:nvPr>
+                <p:ph idx="1"/>
+              </p:nvPr>
+            </p:nvSpPr>
+            <p:spPr/>
+            <p:txBody>
+              <a:bodyPr>
+                <a:normAutofit lnSpcReduction="10000"/>
+              </a:bodyPr>
+              <a:lstStyle/>
+              <a:p>
+                <a:r>
+                  <a:rPr lang="en-US" dirty="0"/>
+                  <a:t>In simple terms, a regression allows us to predict a variable Y using one or a set of variables </a:t>
+                </a:r>
+                <a14:m>
+                  <m:oMath xmlns:m="http://schemas.openxmlformats.org/officeDocument/2006/math">
+                    <m:sSub>
+                      <m:sSubPr>
+                        <m:ctrlPr>
+                          <a:rPr lang="en-US" b="0" i="1" smtClean="0">
+                            <a:latin typeface="Cambria Math" panose="02040503050406030204" pitchFamily="18" charset="0"/>
+                          </a:rPr>
+                        </m:ctrlPr>
+                      </m:sSubPr>
+                      <m:e>
+                        <m:r>
+                          <a:rPr lang="en-US" b="0" i="1" smtClean="0">
+                            <a:latin typeface="Cambria Math" panose="02040503050406030204" pitchFamily="18" charset="0"/>
+                          </a:rPr>
+                          <m:t>𝑋</m:t>
+                        </m:r>
+                      </m:e>
+                      <m:sub>
+                        <m:r>
+                          <a:rPr lang="en-US" b="0" i="1" smtClean="0">
+                            <a:latin typeface="Cambria Math" panose="02040503050406030204" pitchFamily="18" charset="0"/>
+                          </a:rPr>
+                          <m:t>𝑗</m:t>
+                        </m:r>
+                      </m:sub>
+                    </m:sSub>
+                    <m:r>
+                      <a:rPr lang="en-US" b="0" i="1" smtClean="0">
+                        <a:latin typeface="Cambria Math" panose="02040503050406030204" pitchFamily="18" charset="0"/>
+                      </a:rPr>
+                      <m:t> (</m:t>
+                    </m:r>
+                    <m:r>
+                      <a:rPr lang="en-US" b="0" i="1" smtClean="0">
+                        <a:latin typeface="Cambria Math" panose="02040503050406030204" pitchFamily="18" charset="0"/>
+                      </a:rPr>
+                      <m:t>𝑗</m:t>
+                    </m:r>
+                    <m:r>
+                      <a:rPr lang="en-US" b="0" i="1" smtClean="0">
+                        <a:latin typeface="Cambria Math" panose="02040503050406030204" pitchFamily="18" charset="0"/>
+                      </a:rPr>
+                      <m:t>=1:</m:t>
+                    </m:r>
+                    <m:r>
+                      <a:rPr lang="en-US" b="0" i="1" smtClean="0">
+                        <a:latin typeface="Cambria Math" panose="02040503050406030204" pitchFamily="18" charset="0"/>
+                      </a:rPr>
+                      <m:t>𝑁</m:t>
+                    </m:r>
+                    <m:r>
+                      <a:rPr lang="en-US" b="0" i="1" smtClean="0">
+                        <a:latin typeface="Cambria Math" panose="02040503050406030204" pitchFamily="18" charset="0"/>
+                      </a:rPr>
+                      <m:t>)</m:t>
+                    </m:r>
+                  </m:oMath>
+                </a14:m>
+                <a:endParaRPr lang="en-US" dirty="0"/>
+              </a:p>
+              <a:p>
+                <a:r>
+                  <a:rPr lang="en-US" dirty="0"/>
+                  <a:t>We refer to </a:t>
+                </a:r>
+                <a:r>
+                  <a:rPr lang="en-US" b="1" dirty="0"/>
+                  <a:t>Y as outcome or dependent variable</a:t>
+                </a:r>
+              </a:p>
+              <a:p>
+                <a:r>
+                  <a:rPr lang="en-US" dirty="0"/>
+                  <a:t>We refer to </a:t>
+                </a:r>
+                <a14:m>
+                  <m:oMath xmlns:m="http://schemas.openxmlformats.org/officeDocument/2006/math">
+                    <m:sSub>
+                      <m:sSubPr>
+                        <m:ctrlPr>
+                          <a:rPr lang="en-US" b="1" i="1" smtClean="0">
+                            <a:latin typeface="Cambria Math" panose="02040503050406030204" pitchFamily="18" charset="0"/>
+                          </a:rPr>
+                        </m:ctrlPr>
+                      </m:sSubPr>
+                      <m:e>
+                        <m:r>
+                          <a:rPr lang="en-US" b="1" i="1" smtClean="0">
+                            <a:latin typeface="Cambria Math" panose="02040503050406030204" pitchFamily="18" charset="0"/>
+                          </a:rPr>
+                          <m:t>𝑿</m:t>
+                        </m:r>
+                      </m:e>
+                      <m:sub>
+                        <m:r>
+                          <a:rPr lang="en-US" b="1" i="1" smtClean="0">
+                            <a:latin typeface="Cambria Math" panose="02040503050406030204" pitchFamily="18" charset="0"/>
+                          </a:rPr>
+                          <m:t>𝒋</m:t>
+                        </m:r>
+                      </m:sub>
+                    </m:sSub>
+                  </m:oMath>
+                </a14:m>
+                <a:r>
+                  <a:rPr lang="en-US" b="1" dirty="0"/>
+                  <a:t> as predictors or independent variables</a:t>
+                </a:r>
+              </a:p>
+              <a:p>
+                <a:endParaRPr lang="en-US" dirty="0"/>
+              </a:p>
+              <a:p>
+                <a:r>
+                  <a:rPr lang="en-US" dirty="0"/>
+                  <a:t>For example:</a:t>
+                </a:r>
+              </a:p>
+              <a:p>
+                <a:pPr lvl="1"/>
+                <a:r>
+                  <a:rPr lang="en-US" dirty="0"/>
+                  <a:t>Income (Y) as a function of education (X)</a:t>
+                </a:r>
+              </a:p>
+              <a:p>
+                <a:pPr lvl="1"/>
+                <a:r>
+                  <a:rPr lang="en-US" dirty="0"/>
+                  <a:t>Sales (Y) as a function of ad spend (X)</a:t>
+                </a:r>
+              </a:p>
+              <a:p>
+                <a:pPr lvl="1"/>
+                <a:r>
+                  <a:rPr lang="en-US" dirty="0"/>
+                  <a:t>Revenue (Y) as a function of review ratings (X)</a:t>
+                </a:r>
+              </a:p>
+              <a:p>
+                <a:pPr lvl="1"/>
+                <a:r>
+                  <a:rPr lang="en-US" dirty="0"/>
+                  <a:t>House prices (Y) as a function of mortgage interest rates (X)</a:t>
+                </a:r>
+              </a:p>
+              <a:p>
+                <a:pPr lvl="1"/>
+                <a:endParaRPr lang="en-US" dirty="0"/>
+              </a:p>
+              <a:p>
+                <a:pPr lvl="1"/>
+                <a:endParaRPr lang="en-US" dirty="0"/>
+              </a:p>
+              <a:p>
+                <a:endParaRPr lang="en-US" dirty="0"/>
+              </a:p>
+            </p:txBody>
+          </p:sp>
+        </mc:Choice>
+        <mc:Fallback xmlns="">
+          <p:sp>
+            <p:nvSpPr>
+              <p:cNvPr id="3" name="Content Placeholder 2">
+                <a:extLst>
+                  <a:ext uri="{FF2B5EF4-FFF2-40B4-BE49-F238E27FC236}">
+                    <a16:creationId xmlns:a16="http://schemas.microsoft.com/office/drawing/2014/main" id="{C872D126-E7C6-5C85-411F-23F5FE78B585}"/>
+                  </a:ext>
+                </a:extLst>
+              </p:cNvPr>
+              <p:cNvSpPr>
+                <a:spLocks noGrp="1" noRot="1" noChangeAspect="1" noMove="1" noResize="1" noEditPoints="1" noAdjustHandles="1" noChangeArrowheads="1" noChangeShapeType="1" noTextEdit="1"/>
+              </p:cNvSpPr>
+              <p:nvPr>
+                <p:ph idx="1"/>
+              </p:nvPr>
+            </p:nvSpPr>
+            <p:spPr>
+              <a:blipFill>
+                <a:blip r:embed="rId2"/>
+                <a:stretch>
+                  <a:fillRect l="-1086" t="-3198"/>
+                </a:stretch>
+              </a:blipFill>
+            </p:spPr>
+            <p:txBody>
+              <a:bodyPr/>
+              <a:lstStyle/>
+              <a:p>
+                <a:r>
+                  <a:rPr lang="en-US">
+                    <a:noFill/>
+                  </a:rPr>
+                  <a:t> </a:t>
+                </a:r>
+              </a:p>
+            </p:txBody>
+          </p:sp>
+        </mc:Fallback>
+      </mc:AlternateContent>
+    </p:spTree>
+    <p:extLst>
+      <p:ext uri="{BB962C8B-B14F-4D97-AF65-F5344CB8AC3E}">
+        <p14:creationId xmlns:p14="http://schemas.microsoft.com/office/powerpoint/2010/main" val="3980262549"/>
+      </p:ext>
+    </p:extLst>
+  </p:cSld>
+  <p:clrMapOvr>
+    <a:masterClrMapping/>
+  </p:clrMapOvr>
+</p:sld>
+</file>
+
+<file path=ppt/slides/slide5.xml><?xml version="1.0" encoding="utf-8"?>
 <p:sld xmlns:a="http://schemas.openxmlformats.org/drawingml/2006/main" xmlns:r="http://schemas.openxmlformats.org/officeDocument/2006/relationships" xmlns:p="http://schemas.openxmlformats.org/presentationml/2006/main">
   <p:cSld>
     <p:spTree>
@@ -12505,7 +13058,7 @@
 </p:sld>
 </file>
 
-<file path=ppt/slides/slide5.xml><?xml version="1.0" encoding="utf-8"?>
+<file path=ppt/slides/slide6.xml><?xml version="1.0" encoding="utf-8"?>
 <p:sld xmlns:a="http://schemas.openxmlformats.org/drawingml/2006/main" xmlns:r="http://schemas.openxmlformats.org/officeDocument/2006/relationships" xmlns:p="http://schemas.openxmlformats.org/presentationml/2006/main">
   <p:cSld>
     <p:spTree>
@@ -12550,8 +13103,8 @@
           </a:p>
         </p:txBody>
       </p:sp>
-      <mc:AlternateContent xmlns:mc="http://schemas.openxmlformats.org/markup-compatibility/2006">
-        <mc:Choice xmlns:a14="http://schemas.microsoft.com/office/drawing/2010/main" Requires="a14">
+      <mc:AlternateContent xmlns:mc="http://schemas.openxmlformats.org/markup-compatibility/2006" xmlns:a14="http://schemas.microsoft.com/office/drawing/2010/main">
+        <mc:Choice Requires="a14">
           <p:sp>
             <p:nvSpPr>
               <p:cNvPr id="3" name="Content Placeholder 2">
@@ -12924,7 +13477,7 @@
             </p:txBody>
           </p:sp>
         </mc:Choice>
-        <mc:Fallback>
+        <mc:Fallback xmlns="">
           <p:sp>
             <p:nvSpPr>
               <p:cNvPr id="3" name="Content Placeholder 2">
@@ -13355,7 +13908,7 @@
 </p:sld>
 </file>
 
-<file path=ppt/slides/slide6.xml><?xml version="1.0" encoding="utf-8"?>
+<file path=ppt/slides/slide7.xml><?xml version="1.0" encoding="utf-8"?>
 <p:sld xmlns:a="http://schemas.openxmlformats.org/drawingml/2006/main" xmlns:r="http://schemas.openxmlformats.org/officeDocument/2006/relationships" xmlns:p="http://schemas.openxmlformats.org/presentationml/2006/main">
   <p:cSld>
     <p:spTree>
@@ -14139,7 +14692,7 @@
 </p:sld>
 </file>
 
-<file path=ppt/slides/slide7.xml><?xml version="1.0" encoding="utf-8"?>
+<file path=ppt/slides/slide8.xml><?xml version="1.0" encoding="utf-8"?>
 <p:sld xmlns:a="http://schemas.openxmlformats.org/drawingml/2006/main" xmlns:r="http://schemas.openxmlformats.org/officeDocument/2006/relationships" xmlns:p="http://schemas.openxmlformats.org/presentationml/2006/main">
   <p:cSld>
     <p:spTree>
@@ -14555,167 +15108,6 @@
 </p:sld>
 </file>
 
-<file path=ppt/slides/slide8.xml><?xml version="1.0" encoding="utf-8"?>
-<p:sld xmlns:a="http://schemas.openxmlformats.org/drawingml/2006/main" xmlns:r="http://schemas.openxmlformats.org/officeDocument/2006/relationships" xmlns:p="http://schemas.openxmlformats.org/presentationml/2006/main">
-  <p:cSld>
-    <p:spTree>
-      <p:nvGrpSpPr>
-        <p:cNvPr id="1" name=""/>
-        <p:cNvGrpSpPr/>
-        <p:nvPr/>
-      </p:nvGrpSpPr>
-      <p:grpSpPr>
-        <a:xfrm>
-          <a:off x="0" y="0"/>
-          <a:ext cx="0" cy="0"/>
-          <a:chOff x="0" y="0"/>
-          <a:chExt cx="0" cy="0"/>
-        </a:xfrm>
-      </p:grpSpPr>
-      <p:sp>
-        <p:nvSpPr>
-          <p:cNvPr id="2" name="Title 1">
-            <a:extLst>
-              <a:ext uri="{FF2B5EF4-FFF2-40B4-BE49-F238E27FC236}">
-                <a16:creationId xmlns:a16="http://schemas.microsoft.com/office/drawing/2014/main" id="{9753AD2D-C98A-AF8E-5026-C7276DFE40FB}"/>
-              </a:ext>
-            </a:extLst>
-          </p:cNvPr>
-          <p:cNvSpPr>
-            <a:spLocks noGrp="1"/>
-          </p:cNvSpPr>
-          <p:nvPr>
-            <p:ph type="title"/>
-          </p:nvPr>
-        </p:nvSpPr>
-        <p:spPr/>
-        <p:txBody>
-          <a:bodyPr/>
-          <a:lstStyle/>
-          <a:p>
-            <a:r>
-              <a:rPr lang="en-US" dirty="0"/>
-              <a:t>What is Hypothesis Testing?</a:t>
-            </a:r>
-            <a:br>
-              <a:rPr lang="en-US" dirty="0"/>
-            </a:br>
-            <a:endParaRPr lang="en-US" dirty="0"/>
-          </a:p>
-        </p:txBody>
-      </p:sp>
-      <p:sp>
-        <p:nvSpPr>
-          <p:cNvPr id="3" name="Content Placeholder 2">
-            <a:extLst>
-              <a:ext uri="{FF2B5EF4-FFF2-40B4-BE49-F238E27FC236}">
-                <a16:creationId xmlns:a16="http://schemas.microsoft.com/office/drawing/2014/main" id="{8540A984-542D-6EEA-7B7A-18EF7428FE6B}"/>
-              </a:ext>
-            </a:extLst>
-          </p:cNvPr>
-          <p:cNvSpPr>
-            <a:spLocks noGrp="1"/>
-          </p:cNvSpPr>
-          <p:nvPr>
-            <p:ph idx="1"/>
-          </p:nvPr>
-        </p:nvSpPr>
-        <p:spPr/>
-        <p:txBody>
-          <a:bodyPr>
-            <a:normAutofit lnSpcReduction="10000"/>
-          </a:bodyPr>
-          <a:lstStyle/>
-          <a:p>
-            <a:pPr marL="0" indent="0">
-              <a:buNone/>
-            </a:pPr>
-            <a:r>
-              <a:rPr lang="en-US" dirty="0"/>
-              <a:t>Hypothesis testing is a way to use data to decide between two claims:</a:t>
-            </a:r>
-          </a:p>
-          <a:p>
-            <a:pPr lvl="1"/>
-            <a:r>
-              <a:rPr lang="en-US" b="1" dirty="0"/>
-              <a:t>Null hypothesis H0</a:t>
-            </a:r>
-            <a:r>
-              <a:rPr lang="en-US" dirty="0"/>
-              <a:t>: the default assumption, such as no effect or no difference</a:t>
-            </a:r>
-          </a:p>
-          <a:p>
-            <a:pPr lvl="1"/>
-            <a:r>
-              <a:rPr lang="en-US" b="1" dirty="0"/>
-              <a:t>Alternative hypothesis H1</a:t>
-            </a:r>
-            <a:r>
-              <a:rPr lang="en-US" dirty="0"/>
-              <a:t>: the claim we want to test, such as there is an effect or there is a difference</a:t>
-            </a:r>
-          </a:p>
-          <a:p>
-            <a:pPr marL="0" indent="0">
-              <a:buNone/>
-            </a:pPr>
-            <a:r>
-              <a:rPr lang="en-US" dirty="0"/>
-              <a:t>Steps:</a:t>
-            </a:r>
-          </a:p>
-          <a:p>
-            <a:pPr lvl="1"/>
-            <a:r>
-              <a:rPr lang="en-US" dirty="0"/>
-              <a:t>Collect data and compute a test statistic, such as a t-value</a:t>
-            </a:r>
-          </a:p>
-          <a:p>
-            <a:pPr lvl="1"/>
-            <a:r>
-              <a:rPr lang="en-US" dirty="0"/>
-              <a:t>Calculate a p-value, which tells us how likely our data is if H0 were true</a:t>
-            </a:r>
-          </a:p>
-          <a:p>
-            <a:pPr lvl="1"/>
-            <a:r>
-              <a:rPr lang="en-US" dirty="0"/>
-              <a:t>Make a decision:</a:t>
-            </a:r>
-          </a:p>
-          <a:p>
-            <a:pPr lvl="2"/>
-            <a:r>
-              <a:rPr lang="en-US" dirty="0"/>
-              <a:t>Small p-value → reject H0 and conclude there is evidence for H1</a:t>
-            </a:r>
-          </a:p>
-          <a:p>
-            <a:pPr lvl="2"/>
-            <a:r>
-              <a:rPr lang="en-US" dirty="0"/>
-              <a:t>Large p-value → fail to reject H0 and conclude there is not enough evidence</a:t>
-            </a:r>
-          </a:p>
-        </p:txBody>
-      </p:sp>
-    </p:spTree>
-    <p:extLst>
-      <p:ext uri="{BB962C8B-B14F-4D97-AF65-F5344CB8AC3E}">
-        <p14:creationId xmlns:p14="http://schemas.microsoft.com/office/powerpoint/2010/main" val="980291666"/>
-      </p:ext>
-    </p:extLst>
-  </p:cSld>
-  <p:clrMapOvr>
-    <a:masterClrMapping/>
-  </p:clrMapOvr>
-</p:sld>
-</file>
-
 <file path=ppt/slides/slide9.xml><?xml version="1.0" encoding="utf-8"?>
 <p:sld xmlns:a="http://schemas.openxmlformats.org/drawingml/2006/main" xmlns:r="http://schemas.openxmlformats.org/officeDocument/2006/relationships" xmlns:p="http://schemas.openxmlformats.org/presentationml/2006/main">
   <p:cSld>
@@ -14738,7 +15130,7 @@
           <p:cNvPr id="2" name="Title 1">
             <a:extLst>
               <a:ext uri="{FF2B5EF4-FFF2-40B4-BE49-F238E27FC236}">
-                <a16:creationId xmlns:a16="http://schemas.microsoft.com/office/drawing/2014/main" id="{AA8508E0-DA04-86B0-7619-53991A397435}"/>
+                <a16:creationId xmlns:a16="http://schemas.microsoft.com/office/drawing/2014/main" id="{9753AD2D-C98A-AF8E-5026-C7276DFE40FB}"/>
               </a:ext>
             </a:extLst>
           </p:cNvPr>
@@ -14756,309 +15148,118 @@
           <a:p>
             <a:r>
               <a:rPr lang="en-US" dirty="0"/>
-              <a:t>Hypothesis Testing for regressions</a:t>
-            </a:r>
+              <a:t>What is Hypothesis Testing?</a:t>
+            </a:r>
+            <a:br>
+              <a:rPr lang="en-US" dirty="0"/>
+            </a:br>
+            <a:endParaRPr lang="en-US" dirty="0"/>
           </a:p>
         </p:txBody>
       </p:sp>
-      <mc:AlternateContent xmlns:mc="http://schemas.openxmlformats.org/markup-compatibility/2006">
-        <mc:Choice xmlns:a14="http://schemas.microsoft.com/office/drawing/2010/main" Requires="a14">
-          <p:sp>
-            <p:nvSpPr>
-              <p:cNvPr id="3" name="Content Placeholder 2">
-                <a:extLst>
-                  <a:ext uri="{FF2B5EF4-FFF2-40B4-BE49-F238E27FC236}">
-                    <a16:creationId xmlns:a16="http://schemas.microsoft.com/office/drawing/2014/main" id="{69CB6BBB-CD21-DEC2-E5A5-64FECD9A86AA}"/>
-                  </a:ext>
-                </a:extLst>
-              </p:cNvPr>
-              <p:cNvSpPr>
-                <a:spLocks noGrp="1"/>
-              </p:cNvSpPr>
-              <p:nvPr>
-                <p:ph idx="1"/>
-              </p:nvPr>
-            </p:nvSpPr>
-            <p:spPr/>
-            <p:txBody>
-              <a:bodyPr>
-                <a:normAutofit/>
-              </a:bodyPr>
-              <a:lstStyle/>
-              <a:p>
-                <a:r>
-                  <a:rPr lang="en-US" b="1" dirty="0"/>
-                  <a:t>What we test</a:t>
-                </a:r>
-                <a:endParaRPr lang="en-US" dirty="0"/>
-              </a:p>
-              <a:p>
-                <a:pPr lvl="1"/>
-                <a14:m>
-                  <m:oMath xmlns:m="http://schemas.openxmlformats.org/officeDocument/2006/math">
-                    <m:sSub>
-                      <m:sSubPr>
-                        <m:ctrlPr>
-                          <a:rPr lang="ar-AE"/>
-                        </m:ctrlPr>
-                      </m:sSubPr>
-                      <m:e>
-                        <m:r>
-                          <a:rPr lang="ar-AE" i="1"/>
-                          <m:t>𝐻</m:t>
-                        </m:r>
-                      </m:e>
-                      <m:sub>
-                        <m:r>
-                          <a:rPr lang="ar-AE"/>
-                          <m:t>0</m:t>
-                        </m:r>
-                      </m:sub>
-                    </m:sSub>
-                  </m:oMath>
-                </a14:m>
-                <a:r>
-                  <a:rPr lang="ar-AE" dirty="0"/>
-                  <a:t>: </a:t>
-                </a:r>
-                <a:r>
-                  <a:rPr lang="en-US" dirty="0"/>
-                  <a:t>No effect (</a:t>
-                </a:r>
-                <a14:m>
-                  <m:oMath xmlns:m="http://schemas.openxmlformats.org/officeDocument/2006/math">
-                    <m:r>
-                      <a:rPr lang="en-US" i="1"/>
-                      <m:t>𝛽</m:t>
-                    </m:r>
-                    <m:r>
-                      <a:rPr lang="en-US"/>
-                      <m:t>=0</m:t>
-                    </m:r>
-                  </m:oMath>
-                </a14:m>
-                <a:r>
-                  <a:rPr lang="en-US" dirty="0"/>
-                  <a:t>)</a:t>
-                </a:r>
-              </a:p>
-              <a:p>
-                <a:pPr lvl="1"/>
-                <a14:m>
-                  <m:oMath xmlns:m="http://schemas.openxmlformats.org/officeDocument/2006/math">
-                    <m:sSub>
-                      <m:sSubPr>
-                        <m:ctrlPr>
-                          <a:rPr lang="ar-AE"/>
-                        </m:ctrlPr>
-                      </m:sSubPr>
-                      <m:e>
-                        <m:r>
-                          <a:rPr lang="ar-AE" i="1"/>
-                          <m:t>𝐻</m:t>
-                        </m:r>
-                      </m:e>
-                      <m:sub>
-                        <m:r>
-                          <a:rPr lang="ar-AE"/>
-                          <m:t>1</m:t>
-                        </m:r>
-                      </m:sub>
-                    </m:sSub>
-                  </m:oMath>
-                </a14:m>
-                <a:r>
-                  <a:rPr lang="ar-AE" dirty="0"/>
-                  <a:t>: </a:t>
-                </a:r>
-                <a:r>
-                  <a:rPr lang="en-US" dirty="0"/>
-                  <a:t>There is an effect (</a:t>
-                </a:r>
-                <a14:m>
-                  <m:oMath xmlns:m="http://schemas.openxmlformats.org/officeDocument/2006/math">
-                    <m:r>
-                      <a:rPr lang="en-US" i="1"/>
-                      <m:t>𝛽</m:t>
-                    </m:r>
-                    <m:r>
-                      <a:rPr lang="en-US"/>
-                      <m:t>≠0</m:t>
-                    </m:r>
-                  </m:oMath>
-                </a14:m>
-                <a:r>
-                  <a:rPr lang="en-US" dirty="0"/>
-                  <a:t>)</a:t>
-                </a:r>
-              </a:p>
-              <a:p>
-                <a:r>
-                  <a:rPr lang="en-US" b="1" dirty="0"/>
-                  <a:t>How we test</a:t>
-                </a:r>
-                <a:endParaRPr lang="ar-AE" dirty="0"/>
-              </a:p>
-              <a:p>
-                <a:pPr lvl="1"/>
-                <a:r>
-                  <a:rPr lang="en-US" dirty="0"/>
-                  <a:t>Compute the p-value</a:t>
-                </a:r>
-              </a:p>
-              <a:p>
-                <a:r>
-                  <a:rPr lang="en-US" b="1" dirty="0"/>
-                  <a:t>Decision rule</a:t>
-                </a:r>
-                <a:endParaRPr lang="en-US" dirty="0"/>
-              </a:p>
-              <a:p>
-                <a:pPr lvl="1"/>
-                <a:r>
-                  <a:rPr lang="en-US" dirty="0"/>
-                  <a:t>If </a:t>
-                </a:r>
-                <a:r>
-                  <a:rPr lang="en-US" b="1" dirty="0"/>
-                  <a:t>p-value &lt; 0.05</a:t>
-                </a:r>
-                <a:r>
-                  <a:rPr lang="en-US" dirty="0"/>
-                  <a:t> → reject </a:t>
-                </a:r>
-                <a14:m>
-                  <m:oMath xmlns:m="http://schemas.openxmlformats.org/officeDocument/2006/math">
-                    <m:sSub>
-                      <m:sSubPr>
-                        <m:ctrlPr>
-                          <a:rPr lang="ar-AE"/>
-                        </m:ctrlPr>
-                      </m:sSubPr>
-                      <m:e>
-                        <m:r>
-                          <a:rPr lang="ar-AE" i="1"/>
-                          <m:t>𝐻</m:t>
-                        </m:r>
-                      </m:e>
-                      <m:sub>
-                        <m:r>
-                          <a:rPr lang="ar-AE"/>
-                          <m:t>0</m:t>
-                        </m:r>
-                      </m:sub>
-                    </m:sSub>
-                    <m:r>
-                      <a:rPr lang="en-US" b="0" i="0" smtClean="0">
-                        <a:latin typeface="Cambria Math" panose="02040503050406030204" pitchFamily="18" charset="0"/>
-                      </a:rPr>
-                      <m:t> (</m:t>
-                    </m:r>
-                  </m:oMath>
-                </a14:m>
-                <a:r>
-                  <a:rPr lang="en-US" dirty="0"/>
-                  <a:t>evidence of effect)</a:t>
-                </a:r>
-              </a:p>
-              <a:p>
-                <a:pPr lvl="1"/>
-                <a:r>
-                  <a:rPr lang="en-US" dirty="0"/>
-                  <a:t>If </a:t>
-                </a:r>
-                <a:r>
-                  <a:rPr lang="en-US" b="1" dirty="0"/>
-                  <a:t>p-value ≥ 0.05</a:t>
-                </a:r>
-                <a:r>
-                  <a:rPr lang="en-US" dirty="0"/>
-                  <a:t> → fail to reject </a:t>
-                </a:r>
-                <a14:m>
-                  <m:oMath xmlns:m="http://schemas.openxmlformats.org/officeDocument/2006/math">
-                    <m:sSub>
-                      <m:sSubPr>
-                        <m:ctrlPr>
-                          <a:rPr lang="ar-AE"/>
-                        </m:ctrlPr>
-                      </m:sSubPr>
-                      <m:e>
-                        <m:r>
-                          <a:rPr lang="ar-AE" i="1"/>
-                          <m:t>𝐻</m:t>
-                        </m:r>
-                      </m:e>
-                      <m:sub>
-                        <m:r>
-                          <a:rPr lang="ar-AE"/>
-                          <m:t>0</m:t>
-                        </m:r>
-                      </m:sub>
-                    </m:sSub>
-                    <m:r>
-                      <a:rPr lang="en-US" b="0" i="0" smtClean="0">
-                        <a:latin typeface="Cambria Math" panose="02040503050406030204" pitchFamily="18" charset="0"/>
-                      </a:rPr>
-                      <m:t> (</m:t>
-                    </m:r>
-                  </m:oMath>
-                </a14:m>
-                <a:r>
-                  <a:rPr lang="en-US" dirty="0"/>
-                  <a:t>no strong evidence)</a:t>
-                </a:r>
-              </a:p>
-              <a:p>
-                <a:endParaRPr lang="en-US" dirty="0"/>
-              </a:p>
-            </p:txBody>
-          </p:sp>
-        </mc:Choice>
-        <mc:Fallback>
-          <p:sp>
-            <p:nvSpPr>
-              <p:cNvPr id="3" name="Content Placeholder 2">
-                <a:extLst>
-                  <a:ext uri="{FF2B5EF4-FFF2-40B4-BE49-F238E27FC236}">
-                    <a16:creationId xmlns:a16="http://schemas.microsoft.com/office/drawing/2014/main" id="{69CB6BBB-CD21-DEC2-E5A5-64FECD9A86AA}"/>
-                  </a:ext>
-                </a:extLst>
-              </p:cNvPr>
-              <p:cNvSpPr>
-                <a:spLocks noGrp="1" noRot="1" noChangeAspect="1" noMove="1" noResize="1" noEditPoints="1" noAdjustHandles="1" noChangeArrowheads="1" noChangeShapeType="1" noTextEdit="1"/>
-              </p:cNvSpPr>
-              <p:nvPr>
-                <p:ph idx="1"/>
-              </p:nvPr>
-            </p:nvSpPr>
-            <p:spPr>
-              <a:blipFill>
-                <a:blip r:embed="rId2"/>
-                <a:stretch>
-                  <a:fillRect l="-1086" t="-2326"/>
-                </a:stretch>
-              </a:blipFill>
-            </p:spPr>
-            <p:txBody>
-              <a:bodyPr/>
-              <a:lstStyle/>
-              <a:p>
-                <a:r>
-                  <a:rPr lang="en-US">
-                    <a:noFill/>
-                  </a:rPr>
-                  <a:t> </a:t>
-                </a:r>
-              </a:p>
-            </p:txBody>
-          </p:sp>
-        </mc:Fallback>
-      </mc:AlternateContent>
+      <p:sp>
+        <p:nvSpPr>
+          <p:cNvPr id="3" name="Content Placeholder 2">
+            <a:extLst>
+              <a:ext uri="{FF2B5EF4-FFF2-40B4-BE49-F238E27FC236}">
+                <a16:creationId xmlns:a16="http://schemas.microsoft.com/office/drawing/2014/main" id="{8540A984-542D-6EEA-7B7A-18EF7428FE6B}"/>
+              </a:ext>
+            </a:extLst>
+          </p:cNvPr>
+          <p:cNvSpPr>
+            <a:spLocks noGrp="1"/>
+          </p:cNvSpPr>
+          <p:nvPr>
+            <p:ph idx="1"/>
+          </p:nvPr>
+        </p:nvSpPr>
+        <p:spPr/>
+        <p:txBody>
+          <a:bodyPr>
+            <a:normAutofit lnSpcReduction="10000"/>
+          </a:bodyPr>
+          <a:lstStyle/>
+          <a:p>
+            <a:pPr marL="0" indent="0">
+              <a:buNone/>
+            </a:pPr>
+            <a:r>
+              <a:rPr lang="en-US" dirty="0"/>
+              <a:t>Hypothesis testing is a way to use data to decide between two claims:</a:t>
+            </a:r>
+          </a:p>
+          <a:p>
+            <a:pPr lvl="1"/>
+            <a:r>
+              <a:rPr lang="en-US" b="1" dirty="0"/>
+              <a:t>Null hypothesis H0</a:t>
+            </a:r>
+            <a:r>
+              <a:rPr lang="en-US" dirty="0"/>
+              <a:t>: the default assumption, such as no effect or no difference</a:t>
+            </a:r>
+          </a:p>
+          <a:p>
+            <a:pPr lvl="1"/>
+            <a:r>
+              <a:rPr lang="en-US" b="1" dirty="0"/>
+              <a:t>Alternative hypothesis H1</a:t>
+            </a:r>
+            <a:r>
+              <a:rPr lang="en-US" dirty="0"/>
+              <a:t>: the claim we want to test, such as there is an effect or there is a difference</a:t>
+            </a:r>
+          </a:p>
+          <a:p>
+            <a:pPr marL="0" indent="0">
+              <a:buNone/>
+            </a:pPr>
+            <a:r>
+              <a:rPr lang="en-US" dirty="0"/>
+              <a:t>Steps:</a:t>
+            </a:r>
+          </a:p>
+          <a:p>
+            <a:pPr lvl="1"/>
+            <a:r>
+              <a:rPr lang="en-US" dirty="0"/>
+              <a:t>Collect data and compute a test statistic, such as a t-value</a:t>
+            </a:r>
+          </a:p>
+          <a:p>
+            <a:pPr lvl="1"/>
+            <a:r>
+              <a:rPr lang="en-US" dirty="0"/>
+              <a:t>Calculate a p-value, which tells us how likely our data is if H0 were true</a:t>
+            </a:r>
+          </a:p>
+          <a:p>
+            <a:pPr lvl="1"/>
+            <a:r>
+              <a:rPr lang="en-US" dirty="0"/>
+              <a:t>Make a decision:</a:t>
+            </a:r>
+          </a:p>
+          <a:p>
+            <a:pPr lvl="2"/>
+            <a:r>
+              <a:rPr lang="en-US" dirty="0"/>
+              <a:t>Small p-value → reject H0 and conclude there is evidence for H1</a:t>
+            </a:r>
+          </a:p>
+          <a:p>
+            <a:pPr lvl="2"/>
+            <a:r>
+              <a:rPr lang="en-US" dirty="0"/>
+              <a:t>Large p-value → fail to reject H0 and conclude there is not enough evidence</a:t>
+            </a:r>
+          </a:p>
+        </p:txBody>
+      </p:sp>
     </p:spTree>
     <p:extLst>
       <p:ext uri="{BB962C8B-B14F-4D97-AF65-F5344CB8AC3E}">
-        <p14:creationId xmlns:p14="http://schemas.microsoft.com/office/powerpoint/2010/main" val="1973192649"/>
+        <p14:creationId xmlns:p14="http://schemas.microsoft.com/office/powerpoint/2010/main" val="980291666"/>
       </p:ext>
     </p:extLst>
   </p:cSld>

--- a/w4/w4-1-ols.pptx
+++ b/w4/w4-1-ols.pptx
@@ -541,18 +541,7 @@
           <a:bodyPr/>
           <a:lstStyle/>
           <a:p>
-            <a:r>
-              <a:rPr lang="en-US" dirty="0"/>
-              <a:t>Residual se = </a:t>
-            </a:r>
-            <a:r>
-              <a:rPr lang="en-US" b="1" dirty="0"/>
-              <a:t>how far, on average</a:t>
-            </a:r>
-            <a:r>
-              <a:rPr lang="en-US" dirty="0"/>
-              <a:t>, your predictions are from the actual values</a:t>
-            </a:r>
+            <a:endParaRPr lang="en-US" dirty="0"/>
           </a:p>
         </p:txBody>
       </p:sp>
@@ -573,6 +562,101 @@
           <a:p>
             <a:fld id="{0D805CC6-2368-E948-9486-DD06D34B20CD}" type="slidenum">
               <a:rPr lang="en-US" smtClean="0"/>
+              <a:t>2</a:t>
+            </a:fld>
+            <a:endParaRPr lang="en-US"/>
+          </a:p>
+        </p:txBody>
+      </p:sp>
+    </p:spTree>
+    <p:extLst>
+      <p:ext uri="{BB962C8B-B14F-4D97-AF65-F5344CB8AC3E}">
+        <p14:creationId xmlns:p14="http://schemas.microsoft.com/office/powerpoint/2010/main" val="2752918508"/>
+      </p:ext>
+    </p:extLst>
+  </p:cSld>
+  <p:clrMapOvr>
+    <a:masterClrMapping/>
+  </p:clrMapOvr>
+</p:notes>
+</file>
+
+<file path=ppt/notesSlides/notesSlide2.xml><?xml version="1.0" encoding="utf-8"?>
+<p:notes xmlns:a="http://schemas.openxmlformats.org/drawingml/2006/main" xmlns:r="http://schemas.openxmlformats.org/officeDocument/2006/relationships" xmlns:p="http://schemas.openxmlformats.org/presentationml/2006/main">
+  <p:cSld>
+    <p:spTree>
+      <p:nvGrpSpPr>
+        <p:cNvPr id="1" name=""/>
+        <p:cNvGrpSpPr/>
+        <p:nvPr/>
+      </p:nvGrpSpPr>
+      <p:grpSpPr>
+        <a:xfrm>
+          <a:off x="0" y="0"/>
+          <a:ext cx="0" cy="0"/>
+          <a:chOff x="0" y="0"/>
+          <a:chExt cx="0" cy="0"/>
+        </a:xfrm>
+      </p:grpSpPr>
+      <p:sp>
+        <p:nvSpPr>
+          <p:cNvPr id="2" name="Slide Image Placeholder 1"/>
+          <p:cNvSpPr>
+            <a:spLocks noGrp="1" noRot="1" noChangeAspect="1"/>
+          </p:cNvSpPr>
+          <p:nvPr>
+            <p:ph type="sldImg"/>
+          </p:nvPr>
+        </p:nvSpPr>
+        <p:spPr/>
+      </p:sp>
+      <p:sp>
+        <p:nvSpPr>
+          <p:cNvPr id="3" name="Notes Placeholder 2"/>
+          <p:cNvSpPr>
+            <a:spLocks noGrp="1"/>
+          </p:cNvSpPr>
+          <p:nvPr>
+            <p:ph type="body" idx="1"/>
+          </p:nvPr>
+        </p:nvSpPr>
+        <p:spPr/>
+        <p:txBody>
+          <a:bodyPr/>
+          <a:lstStyle/>
+          <a:p>
+            <a:r>
+              <a:rPr lang="en-US" dirty="0"/>
+              <a:t>Residual se = </a:t>
+            </a:r>
+            <a:r>
+              <a:rPr lang="en-US" b="1" dirty="0"/>
+              <a:t>how far, on average</a:t>
+            </a:r>
+            <a:r>
+              <a:rPr lang="en-US" dirty="0"/>
+              <a:t>, your predictions are from the actual values</a:t>
+            </a:r>
+          </a:p>
+        </p:txBody>
+      </p:sp>
+      <p:sp>
+        <p:nvSpPr>
+          <p:cNvPr id="4" name="Slide Number Placeholder 3"/>
+          <p:cNvSpPr>
+            <a:spLocks noGrp="1"/>
+          </p:cNvSpPr>
+          <p:nvPr>
+            <p:ph type="sldNum" sz="quarter" idx="5"/>
+          </p:nvPr>
+        </p:nvSpPr>
+        <p:spPr/>
+        <p:txBody>
+          <a:bodyPr/>
+          <a:lstStyle/>
+          <a:p>
+            <a:fld id="{0D805CC6-2368-E948-9486-DD06D34B20CD}" type="slidenum">
+              <a:rPr lang="en-US" smtClean="0"/>
               <a:t>26</a:t>
             </a:fld>
             <a:endParaRPr lang="en-US"/>
@@ -592,7 +676,7 @@
 </p:notes>
 </file>
 
-<file path=ppt/notesSlides/notesSlide2.xml><?xml version="1.0" encoding="utf-8"?>
+<file path=ppt/notesSlides/notesSlide3.xml><?xml version="1.0" encoding="utf-8"?>
 <p:notes xmlns:a="http://schemas.openxmlformats.org/drawingml/2006/main" xmlns:r="http://schemas.openxmlformats.org/officeDocument/2006/relationships" xmlns:p="http://schemas.openxmlformats.org/presentationml/2006/main">
   <p:cSld>
     <p:spTree>
@@ -711,7 +795,7 @@
 </p:notes>
 </file>
 
-<file path=ppt/notesSlides/notesSlide3.xml><?xml version="1.0" encoding="utf-8"?>
+<file path=ppt/notesSlides/notesSlide4.xml><?xml version="1.0" encoding="utf-8"?>
 <p:notes xmlns:a="http://schemas.openxmlformats.org/drawingml/2006/main" xmlns:r="http://schemas.openxmlformats.org/officeDocument/2006/relationships" xmlns:p="http://schemas.openxmlformats.org/presentationml/2006/main">
   <p:cSld>
     <p:spTree>
@@ -6919,7 +7003,7 @@
           <a:p>
             <a:r>
               <a:rPr lang="en-US" dirty="0"/>
-              <a:t>Homework 1 and next homework</a:t>
+              <a:t>Homework 1 and the next homework</a:t>
             </a:r>
           </a:p>
           <a:p>
@@ -6929,6 +7013,20 @@
             </a:r>
           </a:p>
           <a:p>
+            <a:pPr lvl="1"/>
+            <a:r>
+              <a:rPr lang="en-US" dirty="0"/>
+              <a:t> Section 16546 (1 student w/o group)</a:t>
+            </a:r>
+          </a:p>
+          <a:p>
+            <a:pPr lvl="1"/>
+            <a:r>
+              <a:rPr lang="en-US" dirty="0"/>
+              <a:t>Section 16547 (2 students w/o group)</a:t>
+            </a:r>
+          </a:p>
+          <a:p>
             <a:r>
               <a:rPr lang="en-US" dirty="0"/>
               <a:t>Guest speakers:</a:t>
@@ -6938,15 +7036,7 @@
             <a:pPr lvl="1"/>
             <a:r>
               <a:rPr lang="en-US" dirty="0"/>
-              <a:t>Jonathan Elliot, Director, Data Science at </a:t>
-            </a:r>
-            <a:r>
-              <a:rPr lang="en-US" dirty="0" err="1"/>
-              <a:t>Stubhub</a:t>
-            </a:r>
-            <a:r>
-              <a:rPr lang="en-US" dirty="0"/>
-              <a:t> (Sept. 29)</a:t>
+              <a:t>Jonathan Elliot, Director, Data Science at StubHub (Sept. 29)</a:t>
             </a:r>
           </a:p>
           <a:p>
@@ -6960,13 +7050,8 @@
             <a:pPr lvl="1"/>
             <a:r>
               <a:rPr lang="en-US" dirty="0"/>
-              <a:t>Giovanni Marano: Analytics Senior Director at FanDuel (Nov. </a:t>
-            </a:r>
-            <a:r>
-              <a:rPr lang="en-US"/>
-              <a:t>17/19)</a:t>
-            </a:r>
-            <a:endParaRPr lang="en-US" dirty="0"/>
+              <a:t>Giovanni Marano: Analytics Senior Director at FanDuel (Nov. 17/19)</a:t>
+            </a:r>
           </a:p>
           <a:p>
             <a:pPr lvl="1"/>

--- a/w4/w4-1-ols.pptx
+++ b/w4/w4-1-ols.pptx
@@ -6998,7 +6998,9 @@
         </p:nvSpPr>
         <p:spPr/>
         <p:txBody>
-          <a:bodyPr/>
+          <a:bodyPr>
+            <a:normAutofit lnSpcReduction="10000"/>
+          </a:bodyPr>
           <a:lstStyle/>
           <a:p>
             <a:r>
@@ -7025,6 +7027,29 @@
               <a:rPr lang="en-US" dirty="0"/>
               <a:t>Section 16547 (2 students w/o group)</a:t>
             </a:r>
+          </a:p>
+          <a:p>
+            <a:pPr lvl="1"/>
+            <a:r>
+              <a:rPr lang="en-US" dirty="0"/>
+              <a:t>Project proposal presentations (Oct. 13/15)</a:t>
+            </a:r>
+          </a:p>
+          <a:p>
+            <a:pPr lvl="2"/>
+            <a:r>
+              <a:rPr lang="en-US"/>
+              <a:t>“I </a:t>
+            </a:r>
+            <a:r>
+              <a:rPr lang="en-US" dirty="0"/>
+              <a:t>would like each group to submit and present (approximately 10-15 minutes) a PowerPoint presentation proposal outlining the problem you propose to study and your general approach to </a:t>
+            </a:r>
+            <a:r>
+              <a:rPr lang="en-US"/>
+              <a:t>the problem.”</a:t>
+            </a:r>
+            <a:endParaRPr lang="en-US" dirty="0"/>
           </a:p>
           <a:p>
             <a:r>
